--- a/卒研発表/1821005_0120.pptx
+++ b/卒研発表/1821005_0120.pptx
@@ -126,6 +126,11 @@
       </a:defRPr>
     </a:lvl9pPr>
   </p:defaultTextStyle>
+  <p:extLst>
+    <p:ext uri="{EFAFB233-063F-42B5-8137-9DF3F51BA10A}">
+      <p15:sldGuideLst xmlns:p15="http://schemas.microsoft.com/office/powerpoint/2012/main"/>
+    </p:ext>
+  </p:extLst>
 </p:presentation>
 </file>
 
@@ -211,7 +216,7 @@
           <a:p>
             <a:fld id="{04DBA5AC-A1FD-4BBB-B42A-5BCC6C51C6F5}" type="datetimeFigureOut">
               <a:rPr kumimoji="1" lang="ja-JP" altLang="en-US" smtClean="0"/>
-              <a:t>2022/1/20</a:t>
+              <a:t>2022/1/21</a:t>
             </a:fld>
             <a:endParaRPr kumimoji="1" lang="ja-JP" altLang="en-US"/>
           </a:p>
@@ -927,11 +932,7 @@
             </a:r>
             <a:r>
               <a:rPr lang="ja-JP" altLang="en-US" dirty="0" smtClean="0"/>
-              <a:t>では</a:t>
-            </a:r>
-            <a:r>
-              <a:rPr lang="ja-JP" altLang="en-US" dirty="0" smtClean="0"/>
-              <a:t>，</a:t>
+              <a:t>では，</a:t>
             </a:r>
             <a:r>
               <a:rPr kumimoji="1" lang="ja-JP" altLang="ja-JP" sz="1200" kern="1200" dirty="0" smtClean="0">
@@ -1086,19 +1087,7 @@
                 <a:ea typeface="+mn-ea"/>
                 <a:cs typeface="+mn-cs"/>
               </a:rPr>
-              <a:t>についてです</a:t>
-            </a:r>
-            <a:r>
-              <a:rPr kumimoji="1" lang="ja-JP" altLang="ja-JP" sz="1200" kern="1200" dirty="0" smtClean="0">
-                <a:solidFill>
-                  <a:schemeClr val="tx1"/>
-                </a:solidFill>
-                <a:effectLst/>
-                <a:latin typeface="+mn-lt"/>
-                <a:ea typeface="+mn-ea"/>
-                <a:cs typeface="+mn-cs"/>
-              </a:rPr>
-              <a:t>．</a:t>
+              <a:t>についてです．</a:t>
             </a:r>
             <a:endParaRPr kumimoji="1" lang="en-US" altLang="ja-JP" sz="1200" kern="1200" dirty="0" smtClean="0">
               <a:solidFill>
@@ -1775,19 +1764,7 @@
                 <a:ea typeface="+mn-ea"/>
                 <a:cs typeface="+mn-cs"/>
               </a:rPr>
-              <a:t>については</a:t>
-            </a:r>
-            <a:r>
-              <a:rPr kumimoji="1" lang="ja-JP" altLang="ja-JP" sz="1200" kern="1200" dirty="0" smtClean="0">
-                <a:solidFill>
-                  <a:schemeClr val="tx1"/>
-                </a:solidFill>
-                <a:effectLst/>
-                <a:latin typeface="+mn-lt"/>
-                <a:ea typeface="+mn-ea"/>
-                <a:cs typeface="+mn-cs"/>
-              </a:rPr>
-              <a:t>，</a:t>
+              <a:t>については，</a:t>
             </a:r>
             <a:r>
               <a:rPr lang="ja-JP" altLang="en-US" dirty="0" smtClean="0"/>
@@ -2265,19 +2242,7 @@
                 <a:ea typeface="+mn-ea"/>
                 <a:cs typeface="+mn-cs"/>
               </a:rPr>
-              <a:t>番低い検索精度が出て</a:t>
-            </a:r>
-            <a:r>
-              <a:rPr kumimoji="1" lang="ja-JP" altLang="ja-JP" sz="1200" kern="1200" dirty="0" smtClean="0">
-                <a:solidFill>
-                  <a:schemeClr val="tx1"/>
-                </a:solidFill>
-                <a:effectLst/>
-                <a:latin typeface="+mn-lt"/>
-                <a:ea typeface="+mn-ea"/>
-                <a:cs typeface="+mn-cs"/>
-              </a:rPr>
-              <a:t>いました．</a:t>
+              <a:t>番低い検索精度が出ていました．</a:t>
             </a:r>
             <a:endParaRPr kumimoji="1" lang="ja-JP" altLang="ja-JP" sz="1200" kern="1200" dirty="0">
               <a:solidFill>
@@ -2469,19 +2434,7 @@
                 <a:ea typeface="+mn-ea"/>
                 <a:cs typeface="+mn-cs"/>
               </a:rPr>
-              <a:t>正答率</a:t>
-            </a:r>
-            <a:r>
-              <a:rPr kumimoji="1" lang="ja-JP" altLang="ja-JP" sz="1200" kern="1200" dirty="0" smtClean="0">
-                <a:solidFill>
-                  <a:schemeClr val="tx1"/>
-                </a:solidFill>
-                <a:effectLst/>
-                <a:latin typeface="+mn-lt"/>
-                <a:ea typeface="+mn-ea"/>
-                <a:cs typeface="+mn-cs"/>
-              </a:rPr>
-              <a:t>の良い次元数</a:t>
+              <a:t>正答率の良い次元数</a:t>
             </a:r>
             <a:r>
               <a:rPr kumimoji="1" lang="en-US" altLang="ja-JP" sz="1200" kern="1200" dirty="0" smtClean="0">
@@ -2542,31 +2495,7 @@
                 <a:ea typeface="+mn-ea"/>
                 <a:cs typeface="+mn-cs"/>
               </a:rPr>
-              <a:t>一部</a:t>
-            </a:r>
-            <a:r>
-              <a:rPr kumimoji="1" lang="ja-JP" altLang="ja-JP" sz="1200" kern="1200" dirty="0" smtClean="0">
-                <a:solidFill>
-                  <a:schemeClr val="tx1"/>
-                </a:solidFill>
-                <a:effectLst/>
-                <a:latin typeface="+mn-lt"/>
-                <a:ea typeface="+mn-ea"/>
-                <a:cs typeface="+mn-cs"/>
-              </a:rPr>
-              <a:t>のラベルで</a:t>
-            </a:r>
-            <a:r>
-              <a:rPr kumimoji="1" lang="ja-JP" altLang="ja-JP" sz="1200" kern="1200" dirty="0" smtClean="0">
-                <a:solidFill>
-                  <a:schemeClr val="tx1"/>
-                </a:solidFill>
-                <a:effectLst/>
-                <a:latin typeface="+mn-lt"/>
-                <a:ea typeface="+mn-ea"/>
-                <a:cs typeface="+mn-cs"/>
-              </a:rPr>
-              <a:t>は</a:t>
+              <a:t>一部のラベルでは</a:t>
             </a:r>
             <a:r>
               <a:rPr kumimoji="1" lang="ja-JP" altLang="en-US" sz="1200" kern="1200" dirty="0" smtClean="0">
@@ -2769,19 +2698,7 @@
                 <a:ea typeface="+mn-ea"/>
                 <a:cs typeface="+mn-cs"/>
               </a:rPr>
-              <a:t>ユーザが目的の画像に辿り着くために画像検索機能の重要性が増しています</a:t>
-            </a:r>
-            <a:r>
-              <a:rPr kumimoji="1" lang="ja-JP" altLang="ja-JP" sz="1200" kern="1200" dirty="0" smtClean="0">
-                <a:solidFill>
-                  <a:schemeClr val="tx1"/>
-                </a:solidFill>
-                <a:effectLst/>
-                <a:latin typeface="+mn-lt"/>
-                <a:ea typeface="+mn-ea"/>
-                <a:cs typeface="+mn-cs"/>
-              </a:rPr>
-              <a:t>．</a:t>
+              <a:t>ユーザが目的の画像に辿り着くために画像検索機能の重要性が増しています．</a:t>
             </a:r>
             <a:endParaRPr kumimoji="1" lang="en-US" altLang="ja-JP" sz="1200" kern="1200" dirty="0" smtClean="0">
               <a:solidFill>
@@ -2998,6 +2915,34 @@
             </a:pPr>
             <a:r>
               <a:rPr kumimoji="1" lang="ja-JP" altLang="en-US" sz="1200" dirty="0" smtClean="0"/>
+              <a:t>本研究で扱う特徴ベクトルに</a:t>
+            </a:r>
+            <a:r>
+              <a:rPr kumimoji="1" lang="ja-JP" altLang="en-US" sz="1200" smtClean="0"/>
+              <a:t>ついてです</a:t>
+            </a:r>
+            <a:endParaRPr kumimoji="1" lang="en-US" altLang="ja-JP" sz="1200" dirty="0" smtClean="0"/>
+          </a:p>
+          <a:p>
+            <a:pPr marL="0" marR="0" lvl="1" indent="0" algn="l" defTabSz="914400" rtl="0" eaLnBrk="1" fontAlgn="auto" latinLnBrk="0" hangingPunct="1">
+              <a:lnSpc>
+                <a:spcPct val="100000"/>
+              </a:lnSpc>
+              <a:spcBef>
+                <a:spcPts val="0"/>
+              </a:spcBef>
+              <a:spcAft>
+                <a:spcPts val="0"/>
+              </a:spcAft>
+              <a:buClrTx/>
+              <a:buSzTx/>
+              <a:buFontTx/>
+              <a:buNone/>
+              <a:tabLst/>
+              <a:defRPr/>
+            </a:pPr>
+            <a:r>
+              <a:rPr kumimoji="1" lang="ja-JP" altLang="en-US" sz="1200" dirty="0" smtClean="0"/>
               <a:t>深層学習モデルの中間層から抽出される特徴ベクトルには，意味情報が保存されていると仮定します．意味情報とは，</a:t>
             </a:r>
             <a:r>
@@ -3487,15 +3432,7 @@
                   <a:srgbClr val="FF0000"/>
                 </a:solidFill>
               </a:rPr>
-              <a:t>望ましい検索精度と計算時間を考慮した場合の最適な次元数が明らかになって</a:t>
-            </a:r>
-            <a:r>
-              <a:rPr lang="ja-JP" altLang="en-US" dirty="0" smtClean="0">
-                <a:solidFill>
-                  <a:srgbClr val="FF0000"/>
-                </a:solidFill>
-              </a:rPr>
-              <a:t>いません．</a:t>
+              <a:t>望ましい検索精度と計算時間を考慮した場合の最適な次元数が明らかになっていません．</a:t>
             </a:r>
             <a:endParaRPr lang="en-US" altLang="ja-JP" dirty="0" smtClean="0">
               <a:solidFill>
@@ -3612,19 +3549,7 @@
                 <a:ea typeface="+mn-ea"/>
                 <a:cs typeface="+mn-cs"/>
               </a:rPr>
-              <a:t>本研究</a:t>
-            </a:r>
-            <a:r>
-              <a:rPr kumimoji="1" lang="ja-JP" altLang="en-US" sz="1200" kern="1200" dirty="0" smtClean="0">
-                <a:solidFill>
-                  <a:schemeClr val="tx1"/>
-                </a:solidFill>
-                <a:effectLst/>
-                <a:latin typeface="+mn-lt"/>
-                <a:ea typeface="+mn-ea"/>
-                <a:cs typeface="+mn-cs"/>
-              </a:rPr>
-              <a:t>では，最適な次元数の特徴ベクトルの分析手法を提案します．</a:t>
+              <a:t>本研究では，最適な次元数の特徴ベクトルの分析手法を提案します．</a:t>
             </a:r>
             <a:endParaRPr kumimoji="1" lang="en-US" altLang="ja-JP" sz="1200" kern="1200" dirty="0" smtClean="0">
               <a:solidFill>
@@ -4223,8 +4148,10 @@
                 <a:ea typeface="+mn-ea"/>
                 <a:cs typeface="+mn-cs"/>
               </a:rPr>
-              <a:t>研究</a:t>
-            </a:r>
+              <a:t>研究の提案手法としては，基準のモデルを作成します．</a:t>
+            </a:r>
+          </a:p>
+          <a:p>
             <a:r>
               <a:rPr kumimoji="1" lang="ja-JP" altLang="ja-JP" sz="1200" kern="1200" dirty="0" smtClean="0">
                 <a:solidFill>
@@ -4235,45 +4162,7 @@
                 <a:ea typeface="+mn-ea"/>
                 <a:cs typeface="+mn-cs"/>
               </a:rPr>
-              <a:t>の提案手法としては，基準のモデルを作成します．</a:t>
-            </a:r>
-          </a:p>
-          <a:p>
-            <a:r>
-              <a:rPr kumimoji="1" lang="ja-JP" altLang="ja-JP" sz="1200" kern="1200" dirty="0" smtClean="0">
-                <a:solidFill>
-                  <a:schemeClr val="tx1"/>
-                </a:solidFill>
-                <a:effectLst/>
-                <a:latin typeface="+mn-lt"/>
-                <a:ea typeface="+mn-ea"/>
-                <a:cs typeface="+mn-cs"/>
-              </a:rPr>
-              <a:t>その後，中間層の次元数を変化させて作成</a:t>
-            </a:r>
-            <a:r>
-              <a:rPr kumimoji="1" lang="ja-JP" altLang="ja-JP" sz="1200" kern="1200" dirty="0" smtClean="0">
-                <a:solidFill>
-                  <a:schemeClr val="tx1"/>
-                </a:solidFill>
-                <a:effectLst/>
-                <a:latin typeface="+mn-lt"/>
-                <a:ea typeface="+mn-ea"/>
-                <a:cs typeface="+mn-cs"/>
-              </a:rPr>
-              <a:t>したモデル</a:t>
-            </a:r>
-            <a:r>
-              <a:rPr kumimoji="1" lang="ja-JP" altLang="ja-JP" sz="1200" kern="1200" dirty="0" smtClean="0">
-                <a:solidFill>
-                  <a:schemeClr val="tx1"/>
-                </a:solidFill>
-                <a:effectLst/>
-                <a:latin typeface="+mn-lt"/>
-                <a:ea typeface="+mn-ea"/>
-                <a:cs typeface="+mn-cs"/>
-              </a:rPr>
-              <a:t>を複数用意します．</a:t>
+              <a:t>その後，中間層の次元数を変化させて作成したモデルを複数用意します．</a:t>
             </a:r>
             <a:endParaRPr kumimoji="1" lang="en-US" altLang="ja-JP" sz="1200" kern="1200" dirty="0" smtClean="0">
               <a:solidFill>
@@ -4759,7 +4648,7 @@
           <a:p>
             <a:fld id="{D1A4EBAE-FA5D-423E-9EB5-73F1E605FE6E}" type="datetimeFigureOut">
               <a:rPr kumimoji="1" lang="ja-JP" altLang="en-US" smtClean="0"/>
-              <a:t>2022/1/20</a:t>
+              <a:t>2022/1/21</a:t>
             </a:fld>
             <a:endParaRPr kumimoji="1" lang="ja-JP" altLang="en-US"/>
           </a:p>
@@ -4961,7 +4850,7 @@
           <a:p>
             <a:fld id="{D1A4EBAE-FA5D-423E-9EB5-73F1E605FE6E}" type="datetimeFigureOut">
               <a:rPr kumimoji="1" lang="ja-JP" altLang="en-US" smtClean="0"/>
-              <a:t>2022/1/20</a:t>
+              <a:t>2022/1/21</a:t>
             </a:fld>
             <a:endParaRPr kumimoji="1" lang="ja-JP" altLang="en-US"/>
           </a:p>
@@ -5173,7 +5062,7 @@
           <a:p>
             <a:fld id="{D1A4EBAE-FA5D-423E-9EB5-73F1E605FE6E}" type="datetimeFigureOut">
               <a:rPr kumimoji="1" lang="ja-JP" altLang="en-US" smtClean="0"/>
-              <a:t>2022/1/20</a:t>
+              <a:t>2022/1/21</a:t>
             </a:fld>
             <a:endParaRPr kumimoji="1" lang="ja-JP" altLang="en-US"/>
           </a:p>
@@ -5375,7 +5264,7 @@
           <a:p>
             <a:fld id="{D1A4EBAE-FA5D-423E-9EB5-73F1E605FE6E}" type="datetimeFigureOut">
               <a:rPr kumimoji="1" lang="ja-JP" altLang="en-US" smtClean="0"/>
-              <a:t>2022/1/20</a:t>
+              <a:t>2022/1/21</a:t>
             </a:fld>
             <a:endParaRPr kumimoji="1" lang="ja-JP" altLang="en-US"/>
           </a:p>
@@ -5619,7 +5508,7 @@
           <a:p>
             <a:fld id="{D1A4EBAE-FA5D-423E-9EB5-73F1E605FE6E}" type="datetimeFigureOut">
               <a:rPr kumimoji="1" lang="ja-JP" altLang="en-US" smtClean="0"/>
-              <a:t>2022/1/20</a:t>
+              <a:t>2022/1/21</a:t>
             </a:fld>
             <a:endParaRPr kumimoji="1" lang="ja-JP" altLang="en-US"/>
           </a:p>
@@ -5915,7 +5804,7 @@
           <a:p>
             <a:fld id="{D1A4EBAE-FA5D-423E-9EB5-73F1E605FE6E}" type="datetimeFigureOut">
               <a:rPr kumimoji="1" lang="ja-JP" altLang="en-US" smtClean="0"/>
-              <a:t>2022/1/20</a:t>
+              <a:t>2022/1/21</a:t>
             </a:fld>
             <a:endParaRPr kumimoji="1" lang="ja-JP" altLang="en-US"/>
           </a:p>
@@ -6346,7 +6235,7 @@
           <a:p>
             <a:fld id="{D1A4EBAE-FA5D-423E-9EB5-73F1E605FE6E}" type="datetimeFigureOut">
               <a:rPr kumimoji="1" lang="ja-JP" altLang="en-US" smtClean="0"/>
-              <a:t>2022/1/20</a:t>
+              <a:t>2022/1/21</a:t>
             </a:fld>
             <a:endParaRPr kumimoji="1" lang="ja-JP" altLang="en-US"/>
           </a:p>
@@ -6464,7 +6353,7 @@
           <a:p>
             <a:fld id="{D1A4EBAE-FA5D-423E-9EB5-73F1E605FE6E}" type="datetimeFigureOut">
               <a:rPr kumimoji="1" lang="ja-JP" altLang="en-US" smtClean="0"/>
-              <a:t>2022/1/20</a:t>
+              <a:t>2022/1/21</a:t>
             </a:fld>
             <a:endParaRPr kumimoji="1" lang="ja-JP" altLang="en-US"/>
           </a:p>
@@ -6559,7 +6448,7 @@
           <a:p>
             <a:fld id="{D1A4EBAE-FA5D-423E-9EB5-73F1E605FE6E}" type="datetimeFigureOut">
               <a:rPr kumimoji="1" lang="ja-JP" altLang="en-US" smtClean="0"/>
-              <a:t>2022/1/20</a:t>
+              <a:t>2022/1/21</a:t>
             </a:fld>
             <a:endParaRPr kumimoji="1" lang="ja-JP" altLang="en-US"/>
           </a:p>
@@ -6868,7 +6757,7 @@
           <a:p>
             <a:fld id="{D1A4EBAE-FA5D-423E-9EB5-73F1E605FE6E}" type="datetimeFigureOut">
               <a:rPr kumimoji="1" lang="ja-JP" altLang="en-US" smtClean="0"/>
-              <a:t>2022/1/20</a:t>
+              <a:t>2022/1/21</a:t>
             </a:fld>
             <a:endParaRPr kumimoji="1" lang="ja-JP" altLang="en-US"/>
           </a:p>
@@ -7125,7 +7014,7 @@
           <a:p>
             <a:fld id="{D1A4EBAE-FA5D-423E-9EB5-73F1E605FE6E}" type="datetimeFigureOut">
               <a:rPr kumimoji="1" lang="ja-JP" altLang="en-US" smtClean="0"/>
-              <a:t>2022/1/20</a:t>
+              <a:t>2022/1/21</a:t>
             </a:fld>
             <a:endParaRPr kumimoji="1" lang="ja-JP" altLang="en-US"/>
           </a:p>
@@ -7370,7 +7259,7 @@
           <a:p>
             <a:fld id="{D1A4EBAE-FA5D-423E-9EB5-73F1E605FE6E}" type="datetimeFigureOut">
               <a:rPr kumimoji="1" lang="ja-JP" altLang="en-US" smtClean="0"/>
-              <a:t>2022/1/20</a:t>
+              <a:t>2022/1/21</a:t>
             </a:fld>
             <a:endParaRPr kumimoji="1" lang="ja-JP" altLang="en-US"/>
           </a:p>
@@ -7864,11 +7753,7 @@
           <a:p>
             <a:r>
               <a:rPr lang="ja-JP" altLang="en-US" dirty="0" smtClean="0"/>
-              <a:t>氏名：吉岡</a:t>
-            </a:r>
-            <a:r>
-              <a:rPr lang="ja-JP" altLang="en-US" dirty="0" smtClean="0"/>
-              <a:t>　拓郎</a:t>
+              <a:t>氏名：吉岡　拓郎</a:t>
             </a:r>
             <a:endParaRPr lang="en-US" altLang="ja-JP" dirty="0" smtClean="0"/>
           </a:p>
@@ -8023,7 +7908,7 @@
           <a:graphicData uri="http://schemas.openxmlformats.org/presentationml/2006/ole">
             <mc:AlternateContent xmlns:mc="http://schemas.openxmlformats.org/markup-compatibility/2006">
               <mc:Choice xmlns:v="urn:schemas-microsoft-com:vml" Requires="v">
-                <p:oleObj spid="_x0000_s2052" name="ワークシート" r:id="rId4" imgW="4826156" imgH="4134085" progId="Excel.Sheet.12">
+                <p:oleObj spid="_x0000_s2057" name="ワークシート" r:id="rId4" imgW="4826156" imgH="4134085" progId="Excel.Sheet.12">
                   <p:embed/>
                 </p:oleObj>
               </mc:Choice>
@@ -8550,19 +8435,7 @@
             </a:r>
             <a:r>
               <a:rPr lang="ja-JP" altLang="en-US" dirty="0" smtClean="0"/>
-              <a:t>をする際の</a:t>
-            </a:r>
-            <a:r>
-              <a:rPr lang="ja-JP" altLang="en-US" dirty="0" smtClean="0"/>
-              <a:t>計算</a:t>
-            </a:r>
-            <a:r>
-              <a:rPr lang="ja-JP" altLang="en-US" dirty="0" smtClean="0"/>
-              <a:t>時間</a:t>
-            </a:r>
-            <a:r>
-              <a:rPr lang="ja-JP" altLang="en-US" dirty="0" smtClean="0"/>
-              <a:t>を</a:t>
+              <a:t>をする際の計算時間を</a:t>
             </a:r>
             <a:r>
               <a:rPr lang="ja-JP" altLang="en-US" dirty="0"/>
@@ -9484,6 +9357,13 @@
   <p:clrMapOvr>
     <a:masterClrMapping/>
   </p:clrMapOvr>
+  <p:timing>
+    <p:tnLst>
+      <p:par>
+        <p:cTn id="1" dur="indefinite" restart="never" nodeType="tmRoot"/>
+      </p:par>
+    </p:tnLst>
+  </p:timing>
 </p:sld>
 </file>
 
@@ -9695,6 +9575,10 @@
               <a:t>ソーシャルネットワーキングサービス</a:t>
             </a:r>
             <a:r>
+              <a:rPr lang="en-US" altLang="ja-JP" dirty="0" smtClean="0"/>
+              <a:t>(SNS)</a:t>
+            </a:r>
+            <a:r>
               <a:rPr lang="ja-JP" altLang="en-US" dirty="0" smtClean="0"/>
               <a:t>に</a:t>
             </a:r>
@@ -10098,8 +9982,8 @@
           </a:prstGeom>
         </p:spPr>
       </p:pic>
-      <mc:AlternateContent xmlns:mc="http://schemas.openxmlformats.org/markup-compatibility/2006">
-        <mc:Choice xmlns:a14="http://schemas.microsoft.com/office/drawing/2010/main" Requires="a14">
+      <mc:AlternateContent xmlns:mc="http://schemas.openxmlformats.org/markup-compatibility/2006" xmlns:a14="http://schemas.microsoft.com/office/drawing/2010/main">
+        <mc:Choice Requires="a14">
           <p:sp>
             <p:nvSpPr>
               <p:cNvPr id="6" name="テキスト ボックス 5"/>
@@ -10181,7 +10065,7 @@
             </p:txBody>
           </p:sp>
         </mc:Choice>
-        <mc:Fallback>
+        <mc:Fallback xmlns="">
           <p:sp>
             <p:nvSpPr>
               <p:cNvPr id="6" name="テキスト ボックス 5"/>
@@ -10606,15 +10490,7 @@
             </a:pPr>
             <a:r>
               <a:rPr kumimoji="1" lang="ja-JP" altLang="en-US" dirty="0" smtClean="0"/>
-              <a:t>画像検索において，高次元では，検索精度が良くなり，計算時間が増加する．反対に，低次元で</a:t>
-            </a:r>
-            <a:r>
-              <a:rPr kumimoji="1" lang="ja-JP" altLang="en-US" dirty="0" smtClean="0"/>
-              <a:t>は検索</a:t>
-            </a:r>
-            <a:r>
-              <a:rPr kumimoji="1" lang="ja-JP" altLang="en-US" dirty="0" smtClean="0"/>
-              <a:t>精度が悪くなり，計算時間が減少する．</a:t>
+              <a:t>画像検索において，高次元では，検索精度が良くなり，計算時間が増加する．反対に，低次元では検索精度が悪くなり，計算時間が減少する．</a:t>
             </a:r>
             <a:endParaRPr kumimoji="1" lang="en-US" altLang="ja-JP" dirty="0" smtClean="0"/>
           </a:p>
@@ -10785,15 +10661,7 @@
                   <a:srgbClr val="FF0000"/>
                 </a:solidFill>
               </a:rPr>
-              <a:t>最適</a:t>
-            </a:r>
-            <a:r>
-              <a:rPr lang="ja-JP" altLang="en-US" dirty="0" smtClean="0">
-                <a:solidFill>
-                  <a:srgbClr val="FF0000"/>
-                </a:solidFill>
-              </a:rPr>
-              <a:t>な次元数の特徴ベクトルの分析手法を提案する．</a:t>
+              <a:t>最適な次元数の特徴ベクトルの分析手法を提案する．</a:t>
             </a:r>
             <a:endParaRPr lang="en-US" altLang="ja-JP" dirty="0" smtClean="0">
               <a:solidFill>
@@ -10919,7 +10787,7 @@
         <p:spPr/>
         <p:txBody>
           <a:bodyPr>
-            <a:normAutofit lnSpcReduction="10000"/>
+            <a:normAutofit fontScale="92500" lnSpcReduction="10000"/>
           </a:bodyPr>
           <a:lstStyle/>
           <a:p>
@@ -10957,8 +10825,44 @@
               </a:lnSpc>
             </a:pPr>
             <a:r>
+              <a:rPr lang="en-US" altLang="ja-JP" dirty="0" smtClean="0"/>
+              <a:t>CNN(</a:t>
+            </a:r>
+            <a:r>
+              <a:rPr lang="en-US" altLang="ja-JP" dirty="0"/>
+              <a:t>Convolutional Neural Network</a:t>
+            </a:r>
+            <a:r>
+              <a:rPr lang="en-US" altLang="ja-JP" dirty="0" smtClean="0"/>
+              <a:t>)</a:t>
+            </a:r>
+            <a:r>
               <a:rPr lang="ja-JP" altLang="en-US" dirty="0" smtClean="0"/>
-              <a:t>識別層の手前の全結合層の次元数を変化させた深層学習モデルを複数用意する．</a:t>
+              <a:t>を用いて特徴</a:t>
+            </a:r>
+            <a:r>
+              <a:rPr lang="ja-JP" altLang="en-US" dirty="0"/>
+              <a:t>ベクトルの抽出</a:t>
+            </a:r>
+            <a:r>
+              <a:rPr lang="ja-JP" altLang="en-US" dirty="0" smtClean="0"/>
+              <a:t>方法を行う．</a:t>
+            </a:r>
+            <a:endParaRPr lang="en-US" altLang="ja-JP" dirty="0"/>
+          </a:p>
+          <a:p>
+            <a:pPr lvl="1">
+              <a:lnSpc>
+                <a:spcPct val="100000"/>
+              </a:lnSpc>
+            </a:pPr>
+            <a:r>
+              <a:rPr lang="ja-JP" altLang="en-US" dirty="0"/>
+              <a:t>識別層の手前の全結合層を用いる</a:t>
+            </a:r>
+            <a:r>
+              <a:rPr lang="ja-JP" altLang="en-US" dirty="0" smtClean="0"/>
+              <a:t>．</a:t>
             </a:r>
             <a:endParaRPr lang="en-US" altLang="ja-JP" dirty="0" smtClean="0"/>
           </a:p>
@@ -11296,7 +11200,7 @@
           <a:graphicData uri="http://schemas.openxmlformats.org/presentationml/2006/ole">
             <mc:AlternateContent xmlns:mc="http://schemas.openxmlformats.org/markup-compatibility/2006">
               <mc:Choice xmlns:v="urn:schemas-microsoft-com:vml" Requires="v">
-                <p:oleObj spid="_x0000_s1030" name="ワークシート" r:id="rId4" imgW="1733609" imgH="463785" progId="Excel.Sheet.12">
+                <p:oleObj spid="_x0000_s1040" name="ワークシート" r:id="rId4" imgW="1733609" imgH="463785" progId="Excel.Sheet.12">
                   <p:embed/>
                 </p:oleObj>
               </mc:Choice>
@@ -11347,7 +11251,7 @@
           <a:graphicData uri="http://schemas.openxmlformats.org/presentationml/2006/ole">
             <mc:AlternateContent xmlns:mc="http://schemas.openxmlformats.org/markup-compatibility/2006">
               <mc:Choice xmlns:v="urn:schemas-microsoft-com:vml" Requires="v">
-                <p:oleObj spid="_x0000_s1031" name="ワークシート" r:id="rId6" imgW="2965470" imgH="1835385" progId="Excel.Sheet.12">
+                <p:oleObj spid="_x0000_s1041" name="ワークシート" r:id="rId6" imgW="2965470" imgH="1835385" progId="Excel.Sheet.12">
                   <p:embed/>
                 </p:oleObj>
               </mc:Choice>

--- a/卒研発表/1821005_0120.pptx
+++ b/卒研発表/1821005_0120.pptx
@@ -216,7 +216,7 @@
           <a:p>
             <a:fld id="{04DBA5AC-A1FD-4BBB-B42A-5BCC6C51C6F5}" type="datetimeFigureOut">
               <a:rPr kumimoji="1" lang="ja-JP" altLang="en-US" smtClean="0"/>
-              <a:t>2022/1/21</a:t>
+              <a:t>2022/1/20</a:t>
             </a:fld>
             <a:endParaRPr kumimoji="1" lang="ja-JP" altLang="en-US"/>
           </a:p>
@@ -944,29 +944,8 @@
                 <a:ea typeface="+mn-ea"/>
                 <a:cs typeface="+mn-cs"/>
               </a:rPr>
-              <a:t>画像検索精度と計算時間の両方の観点から最も良い結果だった次元数を明確にすることを</a:t>
-            </a:r>
-            <a:r>
-              <a:rPr kumimoji="1" lang="ja-JP" altLang="ja-JP" sz="1200" kern="1200" smtClean="0">
-                <a:solidFill>
-                  <a:schemeClr val="tx1"/>
-                </a:solidFill>
-                <a:effectLst/>
-                <a:latin typeface="+mn-lt"/>
-                <a:ea typeface="+mn-ea"/>
-                <a:cs typeface="+mn-cs"/>
-              </a:rPr>
-              <a:t>目的とする．</a:t>
-            </a:r>
-            <a:endParaRPr kumimoji="1" lang="ja-JP" altLang="ja-JP" sz="1200" kern="1200" dirty="0" smtClean="0">
-              <a:solidFill>
-                <a:schemeClr val="tx1"/>
-              </a:solidFill>
-              <a:effectLst/>
-              <a:latin typeface="+mn-lt"/>
-              <a:ea typeface="+mn-ea"/>
-              <a:cs typeface="+mn-cs"/>
-            </a:endParaRPr>
+              <a:t>画像検索精度と計算時間の両方の観点から最も良い結果だった次元数を明確にすることを目的とする．</a:t>
+            </a:r>
           </a:p>
           <a:p>
             <a:endParaRPr lang="en-US" altLang="ja-JP" dirty="0" smtClean="0"/>
@@ -1512,7 +1491,7 @@
                 <a:ea typeface="+mn-ea"/>
                 <a:cs typeface="+mn-cs"/>
               </a:rPr>
-              <a:t>2</a:t>
+              <a:t>1</a:t>
             </a:r>
             <a:r>
               <a:rPr kumimoji="1" lang="ja-JP" altLang="en-US" sz="1200" kern="1200" dirty="0" smtClean="0">
@@ -1524,31 +1503,7 @@
                 <a:ea typeface="+mn-ea"/>
                 <a:cs typeface="+mn-cs"/>
               </a:rPr>
-              <a:t>では，実験</a:t>
-            </a:r>
-            <a:r>
-              <a:rPr kumimoji="1" lang="en-US" altLang="ja-JP" sz="1200" kern="1200" dirty="0" smtClean="0">
-                <a:solidFill>
-                  <a:schemeClr val="tx1"/>
-                </a:solidFill>
-                <a:effectLst/>
-                <a:latin typeface="+mn-lt"/>
-                <a:ea typeface="+mn-ea"/>
-                <a:cs typeface="+mn-cs"/>
-              </a:rPr>
-              <a:t>1</a:t>
-            </a:r>
-            <a:r>
-              <a:rPr kumimoji="1" lang="ja-JP" altLang="en-US" sz="1200" kern="1200" dirty="0" smtClean="0">
-                <a:solidFill>
-                  <a:schemeClr val="tx1"/>
-                </a:solidFill>
-                <a:effectLst/>
-                <a:latin typeface="+mn-lt"/>
-                <a:ea typeface="+mn-ea"/>
-                <a:cs typeface="+mn-cs"/>
-              </a:rPr>
-              <a:t>の結果を受けて検索精度が出ていないラベルがあると考えられたため，そのラベルを探すことを目的とします．</a:t>
+              <a:t>の結果から各特徴ベクトルの正答率は決していいものではなかった．その理由が各ラベルの正答率に差があるからではないかと考えた．</a:t>
             </a:r>
             <a:endParaRPr kumimoji="1" lang="en-US" altLang="ja-JP" sz="1200" kern="1200" dirty="0" smtClean="0">
               <a:solidFill>
@@ -1561,6 +1516,23 @@
             </a:endParaRPr>
           </a:p>
           <a:p>
+            <a:pPr marL="0" marR="0" indent="0" algn="l" defTabSz="914400" rtl="0" eaLnBrk="1" fontAlgn="auto" latinLnBrk="0" hangingPunct="1">
+              <a:lnSpc>
+                <a:spcPct val="100000"/>
+              </a:lnSpc>
+              <a:spcBef>
+                <a:spcPts val="0"/>
+              </a:spcBef>
+              <a:spcAft>
+                <a:spcPts val="0"/>
+              </a:spcAft>
+              <a:buClrTx/>
+              <a:buSzTx/>
+              <a:buFontTx/>
+              <a:buNone/>
+              <a:tabLst/>
+              <a:defRPr/>
+            </a:pPr>
             <a:r>
               <a:rPr kumimoji="1" lang="ja-JP" altLang="en-US" sz="1200" kern="1200" dirty="0" smtClean="0">
                 <a:solidFill>
@@ -1571,7 +1543,55 @@
                 <a:ea typeface="+mn-ea"/>
                 <a:cs typeface="+mn-cs"/>
               </a:rPr>
-              <a:t>また，検索結果上位に表示された画像について視覚的な共通点を評価する．</a:t>
+              <a:t>実験</a:t>
+            </a:r>
+            <a:r>
+              <a:rPr kumimoji="1" lang="en-US" altLang="ja-JP" sz="1200" kern="1200" dirty="0" smtClean="0">
+                <a:solidFill>
+                  <a:schemeClr val="tx1"/>
+                </a:solidFill>
+                <a:effectLst/>
+                <a:latin typeface="+mn-lt"/>
+                <a:ea typeface="+mn-ea"/>
+                <a:cs typeface="+mn-cs"/>
+              </a:rPr>
+              <a:t>2</a:t>
+            </a:r>
+            <a:r>
+              <a:rPr kumimoji="1" lang="ja-JP" altLang="en-US" sz="1200" kern="1200" dirty="0" smtClean="0">
+                <a:solidFill>
+                  <a:schemeClr val="tx1"/>
+                </a:solidFill>
+                <a:effectLst/>
+                <a:latin typeface="+mn-lt"/>
+                <a:ea typeface="+mn-ea"/>
+                <a:cs typeface="+mn-cs"/>
+              </a:rPr>
+              <a:t>では，実験</a:t>
+            </a:r>
+            <a:r>
+              <a:rPr kumimoji="1" lang="en-US" altLang="ja-JP" sz="1200" kern="1200" dirty="0" smtClean="0">
+                <a:solidFill>
+                  <a:schemeClr val="tx1"/>
+                </a:solidFill>
+                <a:effectLst/>
+                <a:latin typeface="+mn-lt"/>
+                <a:ea typeface="+mn-ea"/>
+                <a:cs typeface="+mn-cs"/>
+              </a:rPr>
+              <a:t>1</a:t>
+            </a:r>
+            <a:r>
+              <a:rPr kumimoji="1" lang="ja-JP" altLang="en-US" sz="1200" kern="1200" dirty="0" smtClean="0">
+                <a:solidFill>
+                  <a:schemeClr val="tx1"/>
+                </a:solidFill>
+                <a:effectLst/>
+                <a:latin typeface="+mn-lt"/>
+                <a:ea typeface="+mn-ea"/>
+                <a:cs typeface="+mn-cs"/>
+              </a:rPr>
+              <a:t>の結果を受けて検索精度が出ていないラベルがあると考えられたため，そのラベルを探すことを目的とします．</a:t>
             </a:r>
             <a:endParaRPr kumimoji="1" lang="en-US" altLang="ja-JP" sz="1200" kern="1200" dirty="0" smtClean="0">
               <a:solidFill>
@@ -1584,6 +1604,30 @@
             </a:endParaRPr>
           </a:p>
           <a:p>
+            <a:r>
+              <a:rPr kumimoji="1" lang="ja-JP" altLang="en-US" sz="1200" kern="1200" dirty="0" smtClean="0">
+                <a:solidFill>
+                  <a:schemeClr val="tx1"/>
+                </a:solidFill>
+                <a:effectLst/>
+                <a:latin typeface="+mn-lt"/>
+                <a:ea typeface="+mn-ea"/>
+                <a:cs typeface="+mn-cs"/>
+              </a:rPr>
+              <a:t>また，検索結果上位に表示された画像について視覚的な共通点を評価する</a:t>
+            </a:r>
+            <a:r>
+              <a:rPr kumimoji="1" lang="ja-JP" altLang="en-US" sz="1200" kern="1200" dirty="0" smtClean="0">
+                <a:solidFill>
+                  <a:schemeClr val="tx1"/>
+                </a:solidFill>
+                <a:effectLst/>
+                <a:latin typeface="+mn-lt"/>
+                <a:ea typeface="+mn-ea"/>
+                <a:cs typeface="+mn-cs"/>
+              </a:rPr>
+              <a:t>．特徴ベクトルの持つ意味情報について調査さすることも目的とします．</a:t>
+            </a:r>
             <a:endParaRPr kumimoji="1" lang="en-US" altLang="ja-JP" sz="1200" kern="1200" dirty="0" smtClean="0">
               <a:solidFill>
                 <a:schemeClr val="tx1"/>
@@ -1595,6 +1639,17 @@
             </a:endParaRPr>
           </a:p>
           <a:p>
+            <a:endParaRPr kumimoji="1" lang="en-US" altLang="ja-JP" sz="1200" kern="1200" dirty="0" smtClean="0">
+              <a:solidFill>
+                <a:schemeClr val="tx1"/>
+              </a:solidFill>
+              <a:effectLst/>
+              <a:latin typeface="+mn-lt"/>
+              <a:ea typeface="+mn-ea"/>
+              <a:cs typeface="+mn-cs"/>
+            </a:endParaRPr>
+          </a:p>
+          <a:p>
             <a:r>
               <a:rPr kumimoji="1" lang="ja-JP" altLang="en-US" sz="1200" kern="1200" dirty="0" smtClean="0">
                 <a:solidFill>
@@ -1605,7 +1660,7 @@
                 <a:ea typeface="+mn-ea"/>
                 <a:cs typeface="+mn-cs"/>
               </a:rPr>
-              <a:t>結果</a:t>
+              <a:t>実験</a:t>
             </a:r>
             <a:r>
               <a:rPr kumimoji="1" lang="en-US" altLang="ja-JP" sz="1200" kern="1200" dirty="0" smtClean="0">
@@ -1617,7 +1672,7 @@
                 <a:ea typeface="+mn-ea"/>
                 <a:cs typeface="+mn-cs"/>
               </a:rPr>
-              <a:t>3</a:t>
+              <a:t>1</a:t>
             </a:r>
             <a:r>
               <a:rPr kumimoji="1" lang="ja-JP" altLang="en-US" sz="1200" kern="1200" dirty="0" smtClean="0">
@@ -1629,7 +1684,7 @@
                 <a:ea typeface="+mn-ea"/>
                 <a:cs typeface="+mn-cs"/>
               </a:rPr>
-              <a:t>が出ていないから検索精度が下がっている．</a:t>
+              <a:t>の結果から各特徴ベクトルの正答率は決していいものではなかった．その理由が各ラベルの正答率に差があるからではないかと考えた．</a:t>
             </a:r>
             <a:endParaRPr kumimoji="1" lang="en-US" altLang="ja-JP" sz="1200" kern="1200" dirty="0" smtClean="0">
               <a:solidFill>
@@ -1792,8 +1847,52 @@
             </a:pPr>
             <a:r>
               <a:rPr lang="ja-JP" altLang="en-US" dirty="0" smtClean="0"/>
-              <a:t>検索上位に表示された画像の共通点について評価を行います．</a:t>
-            </a:r>
+              <a:t>検索上位に表示された画像の共通点について評価を行います</a:t>
+            </a:r>
+            <a:r>
+              <a:rPr lang="ja-JP" altLang="en-US" dirty="0" smtClean="0"/>
+              <a:t>．</a:t>
+            </a:r>
+            <a:endParaRPr lang="en-US" altLang="ja-JP" dirty="0" smtClean="0"/>
+          </a:p>
+          <a:p>
+            <a:pPr marL="0" marR="0" indent="0" algn="l" defTabSz="914400" rtl="0" eaLnBrk="1" fontAlgn="auto" latinLnBrk="0" hangingPunct="1">
+              <a:lnSpc>
+                <a:spcPct val="100000"/>
+              </a:lnSpc>
+              <a:spcBef>
+                <a:spcPts val="0"/>
+              </a:spcBef>
+              <a:spcAft>
+                <a:spcPts val="0"/>
+              </a:spcAft>
+              <a:buClrTx/>
+              <a:buSzTx/>
+              <a:buFont typeface="+mj-lt"/>
+              <a:buNone/>
+              <a:tabLst/>
+              <a:defRPr/>
+            </a:pPr>
+            <a:endParaRPr kumimoji="1" lang="en-US" altLang="ja-JP" dirty="0" smtClean="0"/>
+          </a:p>
+          <a:p>
+            <a:pPr marL="0" marR="0" indent="0" algn="l" defTabSz="914400" rtl="0" eaLnBrk="1" fontAlgn="auto" latinLnBrk="0" hangingPunct="1">
+              <a:lnSpc>
+                <a:spcPct val="100000"/>
+              </a:lnSpc>
+              <a:spcBef>
+                <a:spcPts val="0"/>
+              </a:spcBef>
+              <a:spcAft>
+                <a:spcPts val="0"/>
+              </a:spcAft>
+              <a:buClrTx/>
+              <a:buSzTx/>
+              <a:buFont typeface="+mj-lt"/>
+              <a:buNone/>
+              <a:tabLst/>
+              <a:defRPr/>
+            </a:pPr>
             <a:endParaRPr kumimoji="1" lang="ja-JP" altLang="en-US" dirty="0" smtClean="0"/>
           </a:p>
           <a:p>
@@ -2338,8 +2437,41 @@
           <a:p>
             <a:r>
               <a:rPr kumimoji="1" lang="ja-JP" altLang="en-US" dirty="0" smtClean="0"/>
-              <a:t>このことからラベル猫に関しては，特徴ベクトルからの意味情報が取得できていないのではないかと考えられる。</a:t>
-            </a:r>
+              <a:t>最も正答率の良かったラベル車の画像と最も悪かったラベル猫の画像の検索上位に表示された</a:t>
+            </a:r>
+            <a:r>
+              <a:rPr kumimoji="1" lang="en-US" altLang="ja-JP" dirty="0" smtClean="0"/>
+              <a:t>3</a:t>
+            </a:r>
+            <a:r>
+              <a:rPr kumimoji="1" lang="ja-JP" altLang="en-US" dirty="0" smtClean="0"/>
+              <a:t>件を例として表示しています．</a:t>
+            </a:r>
+            <a:endParaRPr kumimoji="1" lang="en-US" altLang="ja-JP" dirty="0" smtClean="0"/>
+          </a:p>
+          <a:p>
+            <a:r>
+              <a:rPr kumimoji="1" lang="ja-JP" altLang="en-US" dirty="0" smtClean="0"/>
+              <a:t>ラベル車に関しては，正解ラベルが異なっているものでも形状が近いものが表示されているのを確認できました．</a:t>
+            </a:r>
+            <a:endParaRPr kumimoji="1" lang="en-US" altLang="ja-JP" dirty="0" smtClean="0"/>
+          </a:p>
+          <a:p>
+            <a:r>
+              <a:rPr kumimoji="1" lang="ja-JP" altLang="en-US" dirty="0" smtClean="0"/>
+              <a:t>ラベル猫では，</a:t>
+            </a:r>
+            <a:r>
+              <a:rPr kumimoji="1" lang="en-US" altLang="ja-JP" dirty="0" smtClean="0"/>
+              <a:t>1</a:t>
+            </a:r>
+            <a:r>
+              <a:rPr kumimoji="1" lang="ja-JP" altLang="en-US" dirty="0" smtClean="0"/>
+              <a:t>個目が犬と形状が似ているものも出てきてはいたのですが，関係性が低い画像も検索結果に出てきていることから特徴ベクトルからの意味情報がうまく取得できていないのではないかと考えられる。</a:t>
+            </a:r>
+            <a:endParaRPr kumimoji="1" lang="en-US" altLang="ja-JP" dirty="0" smtClean="0"/>
+          </a:p>
+          <a:p>
             <a:endParaRPr kumimoji="1" lang="ja-JP" altLang="en-US" dirty="0"/>
           </a:p>
         </p:txBody>
@@ -2425,7 +2557,7 @@
           <a:lstStyle/>
           <a:p>
             <a:r>
-              <a:rPr kumimoji="1" lang="ja-JP" altLang="ja-JP" sz="1200" kern="1200" dirty="0" smtClean="0">
+              <a:rPr kumimoji="1" lang="ja-JP" altLang="en-US" sz="1200" kern="1200" dirty="0" smtClean="0">
                 <a:solidFill>
                   <a:schemeClr val="tx1"/>
                 </a:solidFill>
@@ -2434,7 +2566,7 @@
                 <a:ea typeface="+mn-ea"/>
                 <a:cs typeface="+mn-cs"/>
               </a:rPr>
-              <a:t>正答率の良い次元数</a:t>
+              <a:t>次元数</a:t>
             </a:r>
             <a:r>
               <a:rPr kumimoji="1" lang="en-US" altLang="ja-JP" sz="1200" kern="1200" dirty="0" smtClean="0">
@@ -2446,10 +2578,10 @@
                 <a:ea typeface="+mn-ea"/>
                 <a:cs typeface="+mn-cs"/>
               </a:rPr>
-              <a:t>1000</a:t>
-            </a:r>
-            <a:r>
-              <a:rPr kumimoji="1" lang="ja-JP" altLang="ja-JP" sz="1200" kern="1200" dirty="0" smtClean="0">
+              <a:t>8192</a:t>
+            </a:r>
+            <a:r>
+              <a:rPr kumimoji="1" lang="ja-JP" altLang="en-US" sz="1200" kern="1200" dirty="0" smtClean="0">
                 <a:solidFill>
                   <a:schemeClr val="tx1"/>
                 </a:solidFill>
@@ -2458,12 +2590,10 @@
                 <a:ea typeface="+mn-ea"/>
                 <a:cs typeface="+mn-cs"/>
               </a:rPr>
-              <a:t>が，次元数，計算時間の両方の観点から最も良かった．</a:t>
-            </a:r>
-          </a:p>
-          <a:p>
-            <a:r>
-              <a:rPr kumimoji="1" lang="ja-JP" altLang="en-US" sz="1200" kern="1200" dirty="0" smtClean="0">
+              <a:t>が最も正答率が良かったのですが，計算時間がかかりすげていることから，</a:t>
+            </a:r>
+            <a:r>
+              <a:rPr kumimoji="1" lang="ja-JP" altLang="ja-JP" sz="1200" kern="1200" dirty="0" smtClean="0">
                 <a:solidFill>
                   <a:schemeClr val="tx1"/>
                 </a:solidFill>
@@ -2472,7 +2602,67 @@
                 <a:ea typeface="+mn-ea"/>
                 <a:cs typeface="+mn-cs"/>
               </a:rPr>
-              <a:t>検索精度が出ていない理由として，ラベルによって検索精度が異なり，検索精度が低いラベルが複数確認できた．</a:t>
+              <a:t>次元</a:t>
+            </a:r>
+            <a:r>
+              <a:rPr kumimoji="1" lang="ja-JP" altLang="ja-JP" sz="1200" kern="1200" dirty="0" smtClean="0">
+                <a:solidFill>
+                  <a:schemeClr val="tx1"/>
+                </a:solidFill>
+                <a:effectLst/>
+                <a:latin typeface="+mn-lt"/>
+                <a:ea typeface="+mn-ea"/>
+                <a:cs typeface="+mn-cs"/>
+              </a:rPr>
+              <a:t>数</a:t>
+            </a:r>
+            <a:r>
+              <a:rPr kumimoji="1" lang="en-US" altLang="ja-JP" sz="1200" kern="1200" dirty="0" smtClean="0">
+                <a:solidFill>
+                  <a:schemeClr val="tx1"/>
+                </a:solidFill>
+                <a:effectLst/>
+                <a:latin typeface="+mn-lt"/>
+                <a:ea typeface="+mn-ea"/>
+                <a:cs typeface="+mn-cs"/>
+              </a:rPr>
+              <a:t>1000</a:t>
+            </a:r>
+            <a:r>
+              <a:rPr kumimoji="1" lang="ja-JP" altLang="ja-JP" sz="1200" kern="1200" dirty="0" smtClean="0">
+                <a:solidFill>
+                  <a:schemeClr val="tx1"/>
+                </a:solidFill>
+                <a:effectLst/>
+                <a:latin typeface="+mn-lt"/>
+                <a:ea typeface="+mn-ea"/>
+                <a:cs typeface="+mn-cs"/>
+              </a:rPr>
+              <a:t>が，次元数</a:t>
+            </a:r>
+            <a:r>
+              <a:rPr kumimoji="1" lang="ja-JP" altLang="ja-JP" sz="1200" kern="1200" dirty="0" smtClean="0">
+                <a:solidFill>
+                  <a:schemeClr val="tx1"/>
+                </a:solidFill>
+                <a:effectLst/>
+                <a:latin typeface="+mn-lt"/>
+                <a:ea typeface="+mn-ea"/>
+                <a:cs typeface="+mn-cs"/>
+              </a:rPr>
+              <a:t>，計算時間の両方の観点から最も良かった</a:t>
+            </a:r>
+            <a:r>
+              <a:rPr kumimoji="1" lang="ja-JP" altLang="ja-JP" sz="1200" kern="1200" dirty="0" smtClean="0">
+                <a:solidFill>
+                  <a:schemeClr val="tx1"/>
+                </a:solidFill>
+                <a:effectLst/>
+                <a:latin typeface="+mn-lt"/>
+                <a:ea typeface="+mn-ea"/>
+                <a:cs typeface="+mn-cs"/>
+              </a:rPr>
+              <a:t>．</a:t>
             </a:r>
             <a:endParaRPr kumimoji="1" lang="en-US" altLang="ja-JP" sz="1200" kern="1200" dirty="0" smtClean="0">
               <a:solidFill>
@@ -2486,7 +2676,7 @@
           </a:p>
           <a:p>
             <a:r>
-              <a:rPr kumimoji="1" lang="ja-JP" altLang="ja-JP" sz="1200" kern="1200" dirty="0" smtClean="0">
+              <a:rPr kumimoji="1" lang="ja-JP" altLang="en-US" sz="1200" kern="1200" dirty="0" smtClean="0">
                 <a:solidFill>
                   <a:schemeClr val="tx1"/>
                 </a:solidFill>
@@ -2495,19 +2685,7 @@
                 <a:ea typeface="+mn-ea"/>
                 <a:cs typeface="+mn-cs"/>
               </a:rPr>
-              <a:t>一部のラベルでは</a:t>
-            </a:r>
-            <a:r>
-              <a:rPr kumimoji="1" lang="ja-JP" altLang="en-US" sz="1200" kern="1200" dirty="0" smtClean="0">
-                <a:solidFill>
-                  <a:schemeClr val="tx1"/>
-                </a:solidFill>
-                <a:effectLst/>
-                <a:latin typeface="+mn-lt"/>
-                <a:ea typeface="+mn-ea"/>
-                <a:cs typeface="+mn-cs"/>
-              </a:rPr>
-              <a:t>，特長ベクトルに意味情報が取れていなかった．</a:t>
+              <a:t>本研究の分析手法から最適な次元数を導き出すことが出来ました．</a:t>
             </a:r>
             <a:endParaRPr kumimoji="1" lang="en-US" altLang="ja-JP" sz="1200" kern="1200" dirty="0" smtClean="0">
               <a:solidFill>
@@ -2520,9 +2698,119 @@
             </a:endParaRPr>
           </a:p>
           <a:p>
+            <a:endParaRPr kumimoji="1" lang="ja-JP" altLang="ja-JP" sz="1200" kern="1200" dirty="0" smtClean="0">
+              <a:solidFill>
+                <a:schemeClr val="tx1"/>
+              </a:solidFill>
+              <a:effectLst/>
+              <a:latin typeface="+mn-lt"/>
+              <a:ea typeface="+mn-ea"/>
+              <a:cs typeface="+mn-cs"/>
+            </a:endParaRPr>
+          </a:p>
+          <a:p>
+            <a:r>
+              <a:rPr kumimoji="1" lang="ja-JP" altLang="en-US" sz="1200" kern="1200" dirty="0" smtClean="0">
+                <a:solidFill>
+                  <a:schemeClr val="tx1"/>
+                </a:solidFill>
+                <a:effectLst/>
+                <a:latin typeface="+mn-lt"/>
+                <a:ea typeface="+mn-ea"/>
+                <a:cs typeface="+mn-cs"/>
+              </a:rPr>
+              <a:t>次に，全体を通して検索精度が出ていなかったことに関し，検索</a:t>
+            </a:r>
+            <a:r>
+              <a:rPr kumimoji="1" lang="ja-JP" altLang="en-US" sz="1200" kern="1200" dirty="0" smtClean="0">
+                <a:solidFill>
+                  <a:schemeClr val="tx1"/>
+                </a:solidFill>
+                <a:effectLst/>
+                <a:latin typeface="+mn-lt"/>
+                <a:ea typeface="+mn-ea"/>
+                <a:cs typeface="+mn-cs"/>
+              </a:rPr>
+              <a:t>精度が出ていない理由として，ラベルによって検索精度が異なり，検索精度が低いラベルが複数確認できた</a:t>
+            </a:r>
+            <a:r>
+              <a:rPr kumimoji="1" lang="ja-JP" altLang="en-US" sz="1200" kern="1200" dirty="0" smtClean="0">
+                <a:solidFill>
+                  <a:schemeClr val="tx1"/>
+                </a:solidFill>
+                <a:effectLst/>
+                <a:latin typeface="+mn-lt"/>
+                <a:ea typeface="+mn-ea"/>
+                <a:cs typeface="+mn-cs"/>
+              </a:rPr>
+              <a:t>．</a:t>
+            </a:r>
+            <a:r>
+              <a:rPr kumimoji="1" lang="ja-JP" altLang="ja-JP" sz="1200" kern="1200" dirty="0" smtClean="0">
+                <a:solidFill>
+                  <a:schemeClr val="tx1"/>
+                </a:solidFill>
+                <a:effectLst/>
+                <a:latin typeface="+mn-lt"/>
+                <a:ea typeface="+mn-ea"/>
+                <a:cs typeface="+mn-cs"/>
+              </a:rPr>
+              <a:t>一部</a:t>
+            </a:r>
+            <a:r>
+              <a:rPr kumimoji="1" lang="ja-JP" altLang="ja-JP" sz="1200" kern="1200" dirty="0" smtClean="0">
+                <a:solidFill>
+                  <a:schemeClr val="tx1"/>
+                </a:solidFill>
+                <a:effectLst/>
+                <a:latin typeface="+mn-lt"/>
+                <a:ea typeface="+mn-ea"/>
+                <a:cs typeface="+mn-cs"/>
+              </a:rPr>
+              <a:t>のラベルでは</a:t>
+            </a:r>
+            <a:r>
+              <a:rPr kumimoji="1" lang="ja-JP" altLang="en-US" sz="1200" kern="1200" dirty="0" smtClean="0">
+                <a:solidFill>
+                  <a:schemeClr val="tx1"/>
+                </a:solidFill>
+                <a:effectLst/>
+                <a:latin typeface="+mn-lt"/>
+                <a:ea typeface="+mn-ea"/>
+                <a:cs typeface="+mn-cs"/>
+              </a:rPr>
+              <a:t>，特徴ベクトル</a:t>
+            </a:r>
+            <a:r>
+              <a:rPr kumimoji="1" lang="ja-JP" altLang="en-US" sz="1200" kern="1200" dirty="0" smtClean="0">
+                <a:solidFill>
+                  <a:schemeClr val="tx1"/>
+                </a:solidFill>
+                <a:effectLst/>
+                <a:latin typeface="+mn-lt"/>
+                <a:ea typeface="+mn-ea"/>
+                <a:cs typeface="+mn-cs"/>
+              </a:rPr>
+              <a:t>に意味情報が取れていなかった．</a:t>
+            </a:r>
+            <a:endParaRPr kumimoji="1" lang="en-US" altLang="ja-JP" sz="1200" kern="1200" dirty="0" smtClean="0">
+              <a:solidFill>
+                <a:schemeClr val="tx1"/>
+              </a:solidFill>
+              <a:effectLst/>
+              <a:latin typeface="+mn-lt"/>
+              <a:ea typeface="+mn-ea"/>
+              <a:cs typeface="+mn-cs"/>
+            </a:endParaRPr>
+          </a:p>
+          <a:p>
             <a:r>
               <a:rPr lang="ja-JP" altLang="en-US" dirty="0" smtClean="0"/>
-              <a:t>形状が似ているものが検索上位に表示された</a:t>
+              <a:t>又、ランキング形式で画像を表示したところ，形状</a:t>
+            </a:r>
+            <a:r>
+              <a:rPr lang="ja-JP" altLang="en-US" dirty="0" smtClean="0"/>
+              <a:t>が似ているものが検索上位に表示された</a:t>
             </a:r>
             <a:endParaRPr kumimoji="1" lang="en-US" altLang="ja-JP" sz="1200" kern="1200" dirty="0" smtClean="0">
               <a:solidFill>
@@ -2896,6 +3184,46 @@
           <a:bodyPr/>
           <a:lstStyle/>
           <a:p>
+            <a:pPr marL="228600" lvl="1">
+              <a:spcBef>
+                <a:spcPts val="1000"/>
+              </a:spcBef>
+            </a:pPr>
+            <a:r>
+              <a:rPr lang="ja-JP" altLang="en-US" dirty="0" smtClean="0"/>
+              <a:t>本研究で重要となる特徴ベクトルについて先に説明させていただきます．</a:t>
+            </a:r>
+            <a:endParaRPr lang="en-US" altLang="ja-JP" dirty="0" smtClean="0"/>
+          </a:p>
+          <a:p>
+            <a:pPr marL="228600" lvl="1">
+              <a:spcBef>
+                <a:spcPts val="1000"/>
+              </a:spcBef>
+            </a:pPr>
+            <a:r>
+              <a:rPr lang="en-US" altLang="ja-JP" dirty="0" smtClean="0"/>
+              <a:t>CNN (Convolutional Neural Network)</a:t>
+            </a:r>
+            <a:r>
+              <a:rPr lang="ja-JP" altLang="en-US" dirty="0" smtClean="0"/>
+              <a:t>の登場により，画像検索機能は向上した</a:t>
+            </a:r>
+            <a:endParaRPr lang="en-US" altLang="ja-JP" dirty="0" smtClean="0"/>
+          </a:p>
+          <a:p>
+            <a:pPr marL="228600" lvl="1">
+              <a:spcBef>
+                <a:spcPts val="1000"/>
+              </a:spcBef>
+            </a:pPr>
+            <a:r>
+              <a:rPr lang="ja-JP" altLang="en-US" dirty="0" smtClean="0"/>
+              <a:t>深層学習モデルの中間層から抽出した特徴ベクトルを利用した画像検索方式を提案します．</a:t>
+            </a:r>
+            <a:endParaRPr lang="en-US" altLang="ja-JP" dirty="0" smtClean="0"/>
+          </a:p>
+          <a:p>
             <a:pPr marL="0" marR="0" lvl="1" indent="0" algn="l" defTabSz="914400" rtl="0" eaLnBrk="1" fontAlgn="auto" latinLnBrk="0" hangingPunct="1">
               <a:lnSpc>
                 <a:spcPct val="100000"/>
@@ -2915,35 +3243,11 @@
             </a:pPr>
             <a:r>
               <a:rPr kumimoji="1" lang="ja-JP" altLang="en-US" sz="1200" dirty="0" smtClean="0"/>
-              <a:t>本研究で扱う特徴ベクトルに</a:t>
-            </a:r>
-            <a:r>
-              <a:rPr kumimoji="1" lang="ja-JP" altLang="en-US" sz="1200" smtClean="0"/>
-              <a:t>ついてです</a:t>
-            </a:r>
-            <a:endParaRPr kumimoji="1" lang="en-US" altLang="ja-JP" sz="1200" dirty="0" smtClean="0"/>
-          </a:p>
-          <a:p>
-            <a:pPr marL="0" marR="0" lvl="1" indent="0" algn="l" defTabSz="914400" rtl="0" eaLnBrk="1" fontAlgn="auto" latinLnBrk="0" hangingPunct="1">
-              <a:lnSpc>
-                <a:spcPct val="100000"/>
-              </a:lnSpc>
-              <a:spcBef>
-                <a:spcPts val="0"/>
-              </a:spcBef>
-              <a:spcAft>
-                <a:spcPts val="0"/>
-              </a:spcAft>
-              <a:buClrTx/>
-              <a:buSzTx/>
-              <a:buFontTx/>
-              <a:buNone/>
-              <a:tabLst/>
-              <a:defRPr/>
-            </a:pPr>
+              <a:t>ここで中間層</a:t>
+            </a:r>
             <a:r>
               <a:rPr kumimoji="1" lang="ja-JP" altLang="en-US" sz="1200" dirty="0" smtClean="0"/>
-              <a:t>深層学習モデルの中間層から抽出される特徴ベクトルには，意味情報が保存されていると仮定します．意味情報とは，</a:t>
+              <a:t>から抽出される特徴ベクトルには，意味情報が保存されていると仮定します．意味情報とは，</a:t>
             </a:r>
             <a:r>
               <a:rPr lang="ja-JP" altLang="en-US" dirty="0" smtClean="0"/>
@@ -2983,7 +3287,25 @@
                 </a:solidFill>
                 <a:latin typeface="-apple-system"/>
               </a:rPr>
-              <a:t>パターン情報を変数値を要素とするベクトルの形式で表現したもの。</a:t>
+              <a:t>パターン</a:t>
+            </a:r>
+            <a:r>
+              <a:rPr lang="ja-JP" altLang="en-US" dirty="0" smtClean="0">
+                <a:solidFill>
+                  <a:srgbClr val="333333"/>
+                </a:solidFill>
+                <a:latin typeface="-apple-system"/>
+              </a:rPr>
+              <a:t>情報（パターン情報は濃淡画像の画素値など。）を</a:t>
+            </a:r>
+            <a:r>
+              <a:rPr lang="ja-JP" altLang="en-US" dirty="0" smtClean="0">
+                <a:solidFill>
+                  <a:srgbClr val="333333"/>
+                </a:solidFill>
+                <a:latin typeface="-apple-system"/>
+              </a:rPr>
+              <a:t>変数値を要素とするベクトルの形式で表現したもの。</a:t>
             </a:r>
             <a:endParaRPr kumimoji="1" lang="en-US" altLang="ja-JP" sz="1200" dirty="0" smtClean="0"/>
           </a:p>
@@ -3756,26 +4078,30 @@
             <a:endParaRPr lang="en-US" altLang="ja-JP" dirty="0" smtClean="0"/>
           </a:p>
           <a:p>
-            <a:pPr marL="0" marR="0" indent="0" algn="l" defTabSz="914400" rtl="0" eaLnBrk="1" fontAlgn="auto" latinLnBrk="0" hangingPunct="1">
+            <a:pPr>
               <a:lnSpc>
                 <a:spcPct val="100000"/>
               </a:lnSpc>
-              <a:spcBef>
-                <a:spcPts val="0"/>
-              </a:spcBef>
-              <a:spcAft>
-                <a:spcPts val="0"/>
-              </a:spcAft>
-              <a:buClrTx/>
-              <a:buSzTx/>
-              <a:buFontTx/>
-              <a:buNone/>
-              <a:tabLst/>
-              <a:defRPr/>
             </a:pPr>
             <a:r>
+              <a:rPr lang="en-US" altLang="ja-JP" dirty="0" smtClean="0"/>
+              <a:t>CNN</a:t>
+            </a:r>
+            <a:r>
               <a:rPr lang="ja-JP" altLang="en-US" dirty="0" smtClean="0"/>
-              <a:t>識別層の手前の全結合層の次元数を変化させた深層学習モデルを複数用意します．</a:t>
+              <a:t>を用いて特徴ベクトルの抽出を行う．</a:t>
+            </a:r>
+            <a:endParaRPr lang="en-US" altLang="ja-JP" dirty="0" smtClean="0"/>
+          </a:p>
+          <a:p>
+            <a:pPr lvl="1">
+              <a:lnSpc>
+                <a:spcPct val="100000"/>
+              </a:lnSpc>
+            </a:pPr>
+            <a:r>
+              <a:rPr lang="ja-JP" altLang="en-US" dirty="0" smtClean="0"/>
+              <a:t>識別層の手前の全結合層を用いる</a:t>
             </a:r>
             <a:endParaRPr lang="en-US" altLang="ja-JP" dirty="0" smtClean="0"/>
           </a:p>
@@ -4648,7 +4974,7 @@
           <a:p>
             <a:fld id="{D1A4EBAE-FA5D-423E-9EB5-73F1E605FE6E}" type="datetimeFigureOut">
               <a:rPr kumimoji="1" lang="ja-JP" altLang="en-US" smtClean="0"/>
-              <a:t>2022/1/21</a:t>
+              <a:t>2022/1/20</a:t>
             </a:fld>
             <a:endParaRPr kumimoji="1" lang="ja-JP" altLang="en-US"/>
           </a:p>
@@ -4850,7 +5176,7 @@
           <a:p>
             <a:fld id="{D1A4EBAE-FA5D-423E-9EB5-73F1E605FE6E}" type="datetimeFigureOut">
               <a:rPr kumimoji="1" lang="ja-JP" altLang="en-US" smtClean="0"/>
-              <a:t>2022/1/21</a:t>
+              <a:t>2022/1/20</a:t>
             </a:fld>
             <a:endParaRPr kumimoji="1" lang="ja-JP" altLang="en-US"/>
           </a:p>
@@ -5062,7 +5388,7 @@
           <a:p>
             <a:fld id="{D1A4EBAE-FA5D-423E-9EB5-73F1E605FE6E}" type="datetimeFigureOut">
               <a:rPr kumimoji="1" lang="ja-JP" altLang="en-US" smtClean="0"/>
-              <a:t>2022/1/21</a:t>
+              <a:t>2022/1/20</a:t>
             </a:fld>
             <a:endParaRPr kumimoji="1" lang="ja-JP" altLang="en-US"/>
           </a:p>
@@ -5264,7 +5590,7 @@
           <a:p>
             <a:fld id="{D1A4EBAE-FA5D-423E-9EB5-73F1E605FE6E}" type="datetimeFigureOut">
               <a:rPr kumimoji="1" lang="ja-JP" altLang="en-US" smtClean="0"/>
-              <a:t>2022/1/21</a:t>
+              <a:t>2022/1/20</a:t>
             </a:fld>
             <a:endParaRPr kumimoji="1" lang="ja-JP" altLang="en-US"/>
           </a:p>
@@ -5508,7 +5834,7 @@
           <a:p>
             <a:fld id="{D1A4EBAE-FA5D-423E-9EB5-73F1E605FE6E}" type="datetimeFigureOut">
               <a:rPr kumimoji="1" lang="ja-JP" altLang="en-US" smtClean="0"/>
-              <a:t>2022/1/21</a:t>
+              <a:t>2022/1/20</a:t>
             </a:fld>
             <a:endParaRPr kumimoji="1" lang="ja-JP" altLang="en-US"/>
           </a:p>
@@ -5804,7 +6130,7 @@
           <a:p>
             <a:fld id="{D1A4EBAE-FA5D-423E-9EB5-73F1E605FE6E}" type="datetimeFigureOut">
               <a:rPr kumimoji="1" lang="ja-JP" altLang="en-US" smtClean="0"/>
-              <a:t>2022/1/21</a:t>
+              <a:t>2022/1/20</a:t>
             </a:fld>
             <a:endParaRPr kumimoji="1" lang="ja-JP" altLang="en-US"/>
           </a:p>
@@ -6235,7 +6561,7 @@
           <a:p>
             <a:fld id="{D1A4EBAE-FA5D-423E-9EB5-73F1E605FE6E}" type="datetimeFigureOut">
               <a:rPr kumimoji="1" lang="ja-JP" altLang="en-US" smtClean="0"/>
-              <a:t>2022/1/21</a:t>
+              <a:t>2022/1/20</a:t>
             </a:fld>
             <a:endParaRPr kumimoji="1" lang="ja-JP" altLang="en-US"/>
           </a:p>
@@ -6353,7 +6679,7 @@
           <a:p>
             <a:fld id="{D1A4EBAE-FA5D-423E-9EB5-73F1E605FE6E}" type="datetimeFigureOut">
               <a:rPr kumimoji="1" lang="ja-JP" altLang="en-US" smtClean="0"/>
-              <a:t>2022/1/21</a:t>
+              <a:t>2022/1/20</a:t>
             </a:fld>
             <a:endParaRPr kumimoji="1" lang="ja-JP" altLang="en-US"/>
           </a:p>
@@ -6448,7 +6774,7 @@
           <a:p>
             <a:fld id="{D1A4EBAE-FA5D-423E-9EB5-73F1E605FE6E}" type="datetimeFigureOut">
               <a:rPr kumimoji="1" lang="ja-JP" altLang="en-US" smtClean="0"/>
-              <a:t>2022/1/21</a:t>
+              <a:t>2022/1/20</a:t>
             </a:fld>
             <a:endParaRPr kumimoji="1" lang="ja-JP" altLang="en-US"/>
           </a:p>
@@ -6757,7 +7083,7 @@
           <a:p>
             <a:fld id="{D1A4EBAE-FA5D-423E-9EB5-73F1E605FE6E}" type="datetimeFigureOut">
               <a:rPr kumimoji="1" lang="ja-JP" altLang="en-US" smtClean="0"/>
-              <a:t>2022/1/21</a:t>
+              <a:t>2022/1/20</a:t>
             </a:fld>
             <a:endParaRPr kumimoji="1" lang="ja-JP" altLang="en-US"/>
           </a:p>
@@ -7014,7 +7340,7 @@
           <a:p>
             <a:fld id="{D1A4EBAE-FA5D-423E-9EB5-73F1E605FE6E}" type="datetimeFigureOut">
               <a:rPr kumimoji="1" lang="ja-JP" altLang="en-US" smtClean="0"/>
-              <a:t>2022/1/21</a:t>
+              <a:t>2022/1/20</a:t>
             </a:fld>
             <a:endParaRPr kumimoji="1" lang="ja-JP" altLang="en-US"/>
           </a:p>
@@ -7259,7 +7585,7 @@
           <a:p>
             <a:fld id="{D1A4EBAE-FA5D-423E-9EB5-73F1E605FE6E}" type="datetimeFigureOut">
               <a:rPr kumimoji="1" lang="ja-JP" altLang="en-US" smtClean="0"/>
-              <a:t>2022/1/21</a:t>
+              <a:t>2022/1/20</a:t>
             </a:fld>
             <a:endParaRPr kumimoji="1" lang="ja-JP" altLang="en-US"/>
           </a:p>
@@ -7908,7 +8234,7 @@
           <a:graphicData uri="http://schemas.openxmlformats.org/presentationml/2006/ole">
             <mc:AlternateContent xmlns:mc="http://schemas.openxmlformats.org/markup-compatibility/2006">
               <mc:Choice xmlns:v="urn:schemas-microsoft-com:vml" Requires="v">
-                <p:oleObj spid="_x0000_s2057" name="ワークシート" r:id="rId4" imgW="4826156" imgH="4134085" progId="Excel.Sheet.12">
+                <p:oleObj spid="_x0000_s2071" name="ワークシート" r:id="rId4" imgW="4826156" imgH="4134085" progId="Excel.Sheet.12">
                   <p:embed/>
                 </p:oleObj>
               </mc:Choice>
@@ -8725,8 +9051,16 @@
               </a:lnSpc>
             </a:pPr>
             <a:r>
+              <a:rPr lang="ja-JP" altLang="en-US" dirty="0"/>
+              <a:t>ラベルによる検索精度の違い</a:t>
+            </a:r>
+            <a:r>
               <a:rPr lang="ja-JP" altLang="en-US" dirty="0" smtClean="0"/>
-              <a:t>検索精度が良くないラベルを探す．</a:t>
+              <a:t>を調査する</a:t>
+            </a:r>
+            <a:r>
+              <a:rPr lang="ja-JP" altLang="en-US" dirty="0" smtClean="0"/>
+              <a:t>．</a:t>
             </a:r>
             <a:endParaRPr lang="en-US" altLang="ja-JP" dirty="0" smtClean="0"/>
           </a:p>
@@ -8774,7 +9108,31 @@
             </a:r>
             <a:r>
               <a:rPr lang="ja-JP" altLang="en-US" dirty="0" smtClean="0"/>
-              <a:t>な共通点について評価する．</a:t>
+              <a:t>な共通点について</a:t>
+            </a:r>
+            <a:r>
+              <a:rPr lang="ja-JP" altLang="en-US" dirty="0" smtClean="0"/>
+              <a:t>評価し，</a:t>
+            </a:r>
+            <a:r>
+              <a:rPr lang="ja-JP" altLang="en-US" dirty="0" smtClean="0"/>
+              <a:t>特徴</a:t>
+            </a:r>
+            <a:r>
+              <a:rPr lang="ja-JP" altLang="en-US" dirty="0"/>
+              <a:t>ベクトルの持つ意味情報について</a:t>
+            </a:r>
+            <a:r>
+              <a:rPr lang="ja-JP" altLang="en-US" dirty="0" smtClean="0"/>
+              <a:t>調査</a:t>
+            </a:r>
+            <a:r>
+              <a:rPr lang="ja-JP" altLang="en-US" dirty="0"/>
+              <a:t>する</a:t>
+            </a:r>
+            <a:r>
+              <a:rPr lang="ja-JP" altLang="en-US" dirty="0" smtClean="0"/>
+              <a:t>．</a:t>
             </a:r>
             <a:endParaRPr kumimoji="1" lang="ja-JP" altLang="en-US" dirty="0"/>
           </a:p>
@@ -8918,25 +9276,23 @@
             </a:r>
             <a:r>
               <a:rPr lang="ja-JP" altLang="en-US" dirty="0" smtClean="0"/>
-              <a:t>に表示された画像の共通点について調査する．</a:t>
-            </a:r>
-            <a:endParaRPr lang="en-US" altLang="ja-JP" dirty="0" smtClean="0"/>
-          </a:p>
-          <a:p>
-            <a:pPr marL="514350" indent="-514350">
-              <a:buFont typeface="+mj-lt"/>
-              <a:buAutoNum type="arabicPeriod"/>
-            </a:pPr>
-            <a:endParaRPr kumimoji="1" lang="en-US" altLang="ja-JP" dirty="0"/>
-          </a:p>
-          <a:p>
-            <a:pPr marL="514350" indent="-514350">
-              <a:buFont typeface="+mj-lt"/>
-              <a:buAutoNum type="arabicPeriod"/>
-            </a:pPr>
+              <a:t>に表示された画像</a:t>
+            </a:r>
             <a:r>
               <a:rPr lang="ja-JP" altLang="en-US" dirty="0" smtClean="0"/>
-              <a:t>類似している点について考察する．</a:t>
+              <a:t>の類似</a:t>
+            </a:r>
+            <a:r>
+              <a:rPr lang="ja-JP" altLang="en-US" dirty="0" smtClean="0"/>
+              <a:t>している</a:t>
+            </a:r>
+            <a:r>
+              <a:rPr lang="ja-JP" altLang="en-US" dirty="0" smtClean="0"/>
+              <a:t>点について評価する</a:t>
+            </a:r>
+            <a:r>
+              <a:rPr lang="ja-JP" altLang="en-US" dirty="0" smtClean="0"/>
+              <a:t>．</a:t>
             </a:r>
             <a:endParaRPr kumimoji="1" lang="ja-JP" altLang="en-US" dirty="0"/>
           </a:p>
@@ -9432,21 +9788,43 @@
             </a:r>
             <a:r>
               <a:rPr kumimoji="1" lang="ja-JP" altLang="en-US" dirty="0" smtClean="0"/>
-              <a:t>が検索精度と計算時間の両方の観点から最も良かった．</a:t>
+              <a:t>が検索精度と計算時間の両方の観点から最も良かった</a:t>
+            </a:r>
+            <a:r>
+              <a:rPr kumimoji="1" lang="ja-JP" altLang="en-US" dirty="0" smtClean="0"/>
+              <a:t>．</a:t>
             </a:r>
             <a:endParaRPr kumimoji="1" lang="en-US" altLang="ja-JP" dirty="0" smtClean="0"/>
           </a:p>
           <a:p>
+            <a:endParaRPr kumimoji="1" lang="en-US" altLang="ja-JP" dirty="0" smtClean="0"/>
+          </a:p>
+          <a:p>
+            <a:r>
+              <a:rPr lang="ja-JP" altLang="en-US" dirty="0"/>
+              <a:t>分析手法</a:t>
+            </a:r>
+            <a:r>
+              <a:rPr lang="ja-JP" altLang="en-US" dirty="0" smtClean="0"/>
+              <a:t>から最適な次元数を導き出せた．</a:t>
+            </a:r>
+            <a:endParaRPr kumimoji="1" lang="en-US" altLang="ja-JP" dirty="0" smtClean="0"/>
+          </a:p>
+          <a:p>
             <a:endParaRPr lang="en-US" altLang="ja-JP" dirty="0"/>
           </a:p>
           <a:p>
             <a:r>
               <a:rPr lang="ja-JP" altLang="en-US" dirty="0"/>
-              <a:t>検索精度</a:t>
+              <a:t>ラベルに</a:t>
             </a:r>
             <a:r>
               <a:rPr lang="ja-JP" altLang="en-US" dirty="0" smtClean="0"/>
-              <a:t>が低いラベルが確認できた．</a:t>
+              <a:t>よって検索精度が良いものと悪いものがあることが確認できた</a:t>
+            </a:r>
+            <a:r>
+              <a:rPr lang="ja-JP" altLang="en-US" dirty="0" smtClean="0"/>
+              <a:t>．</a:t>
             </a:r>
             <a:endParaRPr kumimoji="1" lang="en-US" altLang="ja-JP" dirty="0" smtClean="0"/>
           </a:p>
@@ -9863,8 +10241,60 @@
               </a:spcBef>
             </a:pPr>
             <a:r>
+              <a:rPr lang="en-US" altLang="ja-JP" dirty="0"/>
+              <a:t>CNN (Convolutional Neural Network)</a:t>
+            </a:r>
+            <a:r>
+              <a:rPr lang="ja-JP" altLang="en-US" dirty="0"/>
+              <a:t>の登場により，画像検索機能は向上</a:t>
+            </a:r>
+            <a:r>
               <a:rPr lang="ja-JP" altLang="en-US" dirty="0" smtClean="0"/>
-              <a:t>深層学習モデルの中間層から抽出した特徴ベクトルには，</a:t>
+              <a:t>した．</a:t>
+            </a:r>
+            <a:endParaRPr lang="en-US" altLang="ja-JP" dirty="0" smtClean="0"/>
+          </a:p>
+          <a:p>
+            <a:pPr marL="228600" lvl="1">
+              <a:spcBef>
+                <a:spcPts val="1000"/>
+              </a:spcBef>
+            </a:pPr>
+            <a:r>
+              <a:rPr lang="ja-JP" altLang="en-US" dirty="0" smtClean="0"/>
+              <a:t>深層</a:t>
+            </a:r>
+            <a:r>
+              <a:rPr lang="ja-JP" altLang="en-US" dirty="0"/>
+              <a:t>学習モデルの中間層から</a:t>
+            </a:r>
+            <a:r>
+              <a:rPr lang="ja-JP" altLang="en-US" dirty="0" smtClean="0"/>
+              <a:t>抽出した特徴ベクトルを利用した画像検索方式を提案する．</a:t>
+            </a:r>
+            <a:endParaRPr lang="en-US" altLang="ja-JP" dirty="0" smtClean="0"/>
+          </a:p>
+          <a:p>
+            <a:pPr marL="228600" lvl="1">
+              <a:spcBef>
+                <a:spcPts val="1000"/>
+              </a:spcBef>
+            </a:pPr>
+            <a:endParaRPr lang="en-US" altLang="ja-JP" dirty="0" smtClean="0"/>
+          </a:p>
+          <a:p>
+            <a:pPr marL="228600" lvl="1">
+              <a:spcBef>
+                <a:spcPts val="1000"/>
+              </a:spcBef>
+            </a:pPr>
+            <a:r>
+              <a:rPr lang="ja-JP" altLang="en-US" dirty="0" smtClean="0"/>
+              <a:t>特徴</a:t>
+            </a:r>
+            <a:r>
+              <a:rPr lang="ja-JP" altLang="en-US" dirty="0" smtClean="0"/>
+              <a:t>ベクトルには，</a:t>
             </a:r>
             <a:r>
               <a:rPr lang="ja-JP" altLang="en-US" dirty="0" smtClean="0">
@@ -9876,7 +10306,19 @@
             </a:r>
             <a:r>
               <a:rPr lang="ja-JP" altLang="en-US" dirty="0" smtClean="0"/>
-              <a:t>が保持されていると仮定する．</a:t>
+              <a:t>が</a:t>
+            </a:r>
+            <a:r>
+              <a:rPr lang="ja-JP" altLang="en-US" dirty="0"/>
+              <a:t>含まれる</a:t>
+            </a:r>
+            <a:r>
+              <a:rPr lang="ja-JP" altLang="en-US" dirty="0" smtClean="0"/>
+              <a:t>と</a:t>
+            </a:r>
+            <a:r>
+              <a:rPr lang="ja-JP" altLang="en-US" dirty="0" smtClean="0"/>
+              <a:t>仮定する．</a:t>
             </a:r>
             <a:endParaRPr lang="en-US" altLang="ja-JP" dirty="0"/>
           </a:p>
@@ -9889,49 +10331,12 @@
             <a:r>
               <a:rPr lang="ja-JP" altLang="en-US" dirty="0" smtClean="0"/>
               <a:t>情報</a:t>
-            </a:r>
-            <a:endParaRPr lang="en-US" altLang="ja-JP" dirty="0" smtClean="0"/>
-          </a:p>
-          <a:p>
-            <a:pPr lvl="1"/>
-            <a:endParaRPr lang="en-US" altLang="ja-JP" dirty="0"/>
-          </a:p>
-          <a:p>
-            <a:r>
-              <a:rPr lang="ja-JP" altLang="en-US" dirty="0">
-                <a:solidFill>
-                  <a:srgbClr val="333333"/>
-                </a:solidFill>
-                <a:latin typeface="-apple-system"/>
-              </a:rPr>
-              <a:t>パターン情報を変数値</a:t>
-            </a:r>
-            <a:r>
-              <a:rPr lang="ja-JP" altLang="en-US" dirty="0" smtClean="0">
-                <a:solidFill>
-                  <a:srgbClr val="333333"/>
-                </a:solidFill>
-                <a:latin typeface="-apple-system"/>
-              </a:rPr>
-              <a:t>を要素</a:t>
-            </a:r>
-            <a:r>
-              <a:rPr lang="ja-JP" altLang="en-US" dirty="0">
-                <a:solidFill>
-                  <a:srgbClr val="333333"/>
-                </a:solidFill>
-                <a:latin typeface="-apple-system"/>
-              </a:rPr>
-              <a:t>とするベクトルの形式で表現したもの。</a:t>
             </a:r>
             <a:endParaRPr lang="en-US" altLang="ja-JP" dirty="0">
               <a:solidFill>
                 <a:srgbClr val="FF0000"/>
               </a:solidFill>
             </a:endParaRPr>
-          </a:p>
-          <a:p>
-            <a:endParaRPr kumimoji="1" lang="ja-JP" altLang="en-US" dirty="0"/>
           </a:p>
         </p:txBody>
       </p:sp>
@@ -9974,136 +10379,513 @@
         </p:blipFill>
         <p:spPr>
           <a:xfrm>
-            <a:off x="814014" y="4519997"/>
-            <a:ext cx="1791902" cy="1791902"/>
+            <a:off x="462017" y="4773998"/>
+            <a:ext cx="2084002" cy="2084002"/>
           </a:xfrm>
           <a:prstGeom prst="rect">
             <a:avLst/>
           </a:prstGeom>
         </p:spPr>
       </p:pic>
-      <mc:AlternateContent xmlns:mc="http://schemas.openxmlformats.org/markup-compatibility/2006" xmlns:a14="http://schemas.microsoft.com/office/drawing/2010/main">
-        <mc:Choice Requires="a14">
-          <p:sp>
-            <p:nvSpPr>
-              <p:cNvPr id="6" name="テキスト ボックス 5"/>
-              <p:cNvSpPr txBox="1"/>
-              <p:nvPr/>
-            </p:nvSpPr>
-            <p:spPr>
-              <a:xfrm>
-                <a:off x="2791279" y="4594698"/>
-                <a:ext cx="5353343" cy="1717201"/>
-              </a:xfrm>
-              <a:prstGeom prst="rect">
-                <a:avLst/>
-              </a:prstGeom>
-              <a:noFill/>
-            </p:spPr>
-            <p:txBody>
-              <a:bodyPr wrap="square" rtlCol="0">
-                <a:spAutoFit/>
-              </a:bodyPr>
-              <a:lstStyle/>
-              <a:p>
-                <a:r>
-                  <a:rPr kumimoji="1" lang="ja-JP" altLang="en-US" dirty="0" smtClean="0"/>
-                  <a:t>例</a:t>
-                </a:r>
-                <a:r>
-                  <a:rPr kumimoji="1" lang="en-US" altLang="ja-JP" dirty="0" smtClean="0"/>
-                  <a:t>)</a:t>
-                </a:r>
-                <a:r>
-                  <a:rPr kumimoji="1" lang="ja-JP" altLang="en-US" dirty="0" smtClean="0"/>
-                  <a:t>白が画素値０，黒が画素値１とする</a:t>
-                </a:r>
-                <a:endParaRPr kumimoji="1" lang="en-US" altLang="ja-JP" dirty="0" smtClean="0"/>
-              </a:p>
-              <a:p>
-                <a:r>
-                  <a:rPr lang="ja-JP" altLang="en-US" dirty="0"/>
-                  <a:t>この画像</a:t>
-                </a:r>
-                <a:r>
-                  <a:rPr lang="ja-JP" altLang="en-US" dirty="0" smtClean="0"/>
-                  <a:t>を特徴ベクトルで表すと、以下のようになる。</a:t>
-                </a:r>
-                <a:endParaRPr kumimoji="1" lang="en-US" altLang="ja-JP" dirty="0" smtClean="0"/>
-              </a:p>
-              <a:p>
-                <a:pPr/>
-                <a14:m>
-                  <m:oMathPara xmlns:m="http://schemas.openxmlformats.org/officeDocument/2006/math">
-                    <m:oMathParaPr>
-                      <m:jc m:val="centerGroup"/>
-                    </m:oMathParaPr>
-                    <m:oMath xmlns:m="http://schemas.openxmlformats.org/officeDocument/2006/math">
-                      <m:r>
-                        <m:rPr>
-                          <m:sty m:val="p"/>
-                        </m:rPr>
-                        <a:rPr lang="en-US" altLang="ja-JP" i="1">
-                          <a:latin typeface="Cambria Math" panose="02040503050406030204" pitchFamily="18" charset="0"/>
-                        </a:rPr>
-                        <m:t>X</m:t>
-                      </m:r>
-                      <m:r>
-                        <a:rPr lang="en-US" altLang="ja-JP" b="0" i="1" smtClean="0">
-                          <a:latin typeface="Cambria Math" panose="02040503050406030204" pitchFamily="18" charset="0"/>
-                        </a:rPr>
-                        <m:t>=(0,1,1,1,0,  0,0,0,1,0,  0,1,1,1,0,  0,0,0,1,0,  0,1,1,1,0)</m:t>
-                      </m:r>
-                    </m:oMath>
-                  </m:oMathPara>
-                </a14:m>
-                <a:endParaRPr kumimoji="1" lang="en-US" altLang="ja-JP" dirty="0" smtClean="0"/>
-              </a:p>
-              <a:p>
-                <a:endParaRPr lang="en-US" altLang="ja-JP" sz="1600" dirty="0"/>
-              </a:p>
-            </p:txBody>
-          </p:sp>
-        </mc:Choice>
-        <mc:Fallback xmlns="">
-          <p:sp>
-            <p:nvSpPr>
-              <p:cNvPr id="6" name="テキスト ボックス 5"/>
-              <p:cNvSpPr txBox="1">
-                <a:spLocks noRot="1" noChangeAspect="1" noMove="1" noResize="1" noEditPoints="1" noAdjustHandles="1" noChangeArrowheads="1" noChangeShapeType="1" noTextEdit="1"/>
-              </p:cNvSpPr>
-              <p:nvPr/>
-            </p:nvSpPr>
-            <p:spPr>
-              <a:xfrm>
-                <a:off x="2791279" y="4594698"/>
-                <a:ext cx="5353343" cy="1717201"/>
-              </a:xfrm>
-              <a:prstGeom prst="rect">
-                <a:avLst/>
-              </a:prstGeom>
-              <a:blipFill>
-                <a:blip r:embed="rId4"/>
-                <a:stretch>
-                  <a:fillRect l="-1025" t="-2135"/>
-                </a:stretch>
-              </a:blipFill>
-            </p:spPr>
-            <p:txBody>
-              <a:bodyPr/>
-              <a:lstStyle/>
-              <a:p>
-                <a:r>
-                  <a:rPr lang="ja-JP" altLang="en-US">
-                    <a:noFill/>
-                  </a:rPr>
-                  <a:t> </a:t>
-                </a:r>
-              </a:p>
-            </p:txBody>
-          </p:sp>
-        </mc:Fallback>
-      </mc:AlternateContent>
+      <p:sp>
+        <p:nvSpPr>
+          <p:cNvPr id="6" name="テキスト ボックス 5"/>
+          <p:cNvSpPr txBox="1"/>
+          <p:nvPr/>
+        </p:nvSpPr>
+        <p:spPr>
+          <a:xfrm>
+            <a:off x="4434728" y="5099745"/>
+            <a:ext cx="3051922" cy="1077218"/>
+          </a:xfrm>
+          <a:prstGeom prst="rect">
+            <a:avLst/>
+          </a:prstGeom>
+          <a:noFill/>
+        </p:spPr>
+        <p:txBody>
+          <a:bodyPr wrap="square" rtlCol="0">
+            <a:spAutoFit/>
+          </a:bodyPr>
+          <a:lstStyle/>
+          <a:p>
+            <a:r>
+              <a:rPr kumimoji="1" lang="ja-JP" altLang="en-US" sz="2400" dirty="0" smtClean="0"/>
+              <a:t>例</a:t>
+            </a:r>
+            <a:r>
+              <a:rPr kumimoji="1" lang="en-US" altLang="ja-JP" sz="2400" dirty="0" smtClean="0"/>
+              <a:t>)</a:t>
+            </a:r>
+            <a:r>
+              <a:rPr kumimoji="1" lang="ja-JP" altLang="en-US" sz="2400" dirty="0" smtClean="0"/>
+              <a:t>白が画素値０，黒が画素値１と</a:t>
+            </a:r>
+            <a:r>
+              <a:rPr kumimoji="1" lang="ja-JP" altLang="en-US" sz="2400" dirty="0" smtClean="0"/>
+              <a:t>する</a:t>
+            </a:r>
+            <a:r>
+              <a:rPr lang="ja-JP" altLang="en-US" sz="2400" dirty="0" smtClean="0"/>
+              <a:t>．</a:t>
+            </a:r>
+            <a:endParaRPr kumimoji="1" lang="en-US" altLang="ja-JP" sz="2400" dirty="0" smtClean="0"/>
+          </a:p>
+          <a:p>
+            <a:endParaRPr lang="en-US" altLang="ja-JP" sz="1600" dirty="0"/>
+          </a:p>
+        </p:txBody>
+      </p:sp>
+      <p:graphicFrame>
+        <p:nvGraphicFramePr>
+          <p:cNvPr id="9" name="表 8"/>
+          <p:cNvGraphicFramePr>
+            <a:graphicFrameLocks noGrp="1"/>
+          </p:cNvGraphicFramePr>
+          <p:nvPr>
+            <p:extLst>
+              <p:ext uri="{D42A27DB-BD31-4B8C-83A1-F6EECF244321}">
+                <p14:modId xmlns:p14="http://schemas.microsoft.com/office/powerpoint/2010/main" val="51906250"/>
+              </p:ext>
+            </p:extLst>
+          </p:nvPr>
+        </p:nvGraphicFramePr>
+        <p:xfrm>
+          <a:off x="2546019" y="4891431"/>
+          <a:ext cx="1775295" cy="1828800"/>
+        </p:xfrm>
+        <a:graphic>
+          <a:graphicData uri="http://schemas.openxmlformats.org/drawingml/2006/table">
+            <a:tbl>
+              <a:tblPr firstRow="1" bandRow="1">
+                <a:tableStyleId>{5940675A-B579-460E-94D1-54222C63F5DA}</a:tableStyleId>
+              </a:tblPr>
+              <a:tblGrid>
+                <a:gridCol w="355059">
+                  <a:extLst>
+                    <a:ext uri="{9D8B030D-6E8A-4147-A177-3AD203B41FA5}">
+                      <a16:colId xmlns:a16="http://schemas.microsoft.com/office/drawing/2014/main" val="3206013067"/>
+                    </a:ext>
+                  </a:extLst>
+                </a:gridCol>
+                <a:gridCol w="355059">
+                  <a:extLst>
+                    <a:ext uri="{9D8B030D-6E8A-4147-A177-3AD203B41FA5}">
+                      <a16:colId xmlns:a16="http://schemas.microsoft.com/office/drawing/2014/main" val="3173559760"/>
+                    </a:ext>
+                  </a:extLst>
+                </a:gridCol>
+                <a:gridCol w="355059">
+                  <a:extLst>
+                    <a:ext uri="{9D8B030D-6E8A-4147-A177-3AD203B41FA5}">
+                      <a16:colId xmlns:a16="http://schemas.microsoft.com/office/drawing/2014/main" val="3464370229"/>
+                    </a:ext>
+                  </a:extLst>
+                </a:gridCol>
+                <a:gridCol w="355059">
+                  <a:extLst>
+                    <a:ext uri="{9D8B030D-6E8A-4147-A177-3AD203B41FA5}">
+                      <a16:colId xmlns:a16="http://schemas.microsoft.com/office/drawing/2014/main" val="626183276"/>
+                    </a:ext>
+                  </a:extLst>
+                </a:gridCol>
+                <a:gridCol w="355059">
+                  <a:extLst>
+                    <a:ext uri="{9D8B030D-6E8A-4147-A177-3AD203B41FA5}">
+                      <a16:colId xmlns:a16="http://schemas.microsoft.com/office/drawing/2014/main" val="3670044263"/>
+                    </a:ext>
+                  </a:extLst>
+                </a:gridCol>
+              </a:tblGrid>
+              <a:tr h="360423">
+                <a:tc>
+                  <a:txBody>
+                    <a:bodyPr/>
+                    <a:lstStyle/>
+                    <a:p>
+                      <a:r>
+                        <a:rPr kumimoji="1" lang="en-US" altLang="ja-JP" dirty="0" smtClean="0"/>
+                        <a:t>0</a:t>
+                      </a:r>
+                      <a:endParaRPr kumimoji="1" lang="ja-JP" altLang="en-US" dirty="0"/>
+                    </a:p>
+                  </a:txBody>
+                  <a:tcPr/>
+                </a:tc>
+                <a:tc>
+                  <a:txBody>
+                    <a:bodyPr/>
+                    <a:lstStyle/>
+                    <a:p>
+                      <a:r>
+                        <a:rPr kumimoji="1" lang="en-US" altLang="ja-JP" dirty="0" smtClean="0"/>
+                        <a:t>1</a:t>
+                      </a:r>
+                      <a:endParaRPr kumimoji="1" lang="ja-JP" altLang="en-US" dirty="0"/>
+                    </a:p>
+                  </a:txBody>
+                  <a:tcPr/>
+                </a:tc>
+                <a:tc>
+                  <a:txBody>
+                    <a:bodyPr/>
+                    <a:lstStyle/>
+                    <a:p>
+                      <a:r>
+                        <a:rPr kumimoji="1" lang="en-US" altLang="ja-JP" dirty="0" smtClean="0"/>
+                        <a:t>1</a:t>
+                      </a:r>
+                      <a:endParaRPr kumimoji="1" lang="ja-JP" altLang="en-US" dirty="0"/>
+                    </a:p>
+                  </a:txBody>
+                  <a:tcPr/>
+                </a:tc>
+                <a:tc>
+                  <a:txBody>
+                    <a:bodyPr/>
+                    <a:lstStyle/>
+                    <a:p>
+                      <a:r>
+                        <a:rPr kumimoji="1" lang="en-US" altLang="ja-JP" dirty="0" smtClean="0"/>
+                        <a:t>1</a:t>
+                      </a:r>
+                      <a:endParaRPr kumimoji="1" lang="ja-JP" altLang="en-US" dirty="0"/>
+                    </a:p>
+                  </a:txBody>
+                  <a:tcPr/>
+                </a:tc>
+                <a:tc>
+                  <a:txBody>
+                    <a:bodyPr/>
+                    <a:lstStyle/>
+                    <a:p>
+                      <a:r>
+                        <a:rPr kumimoji="1" lang="en-US" altLang="ja-JP" dirty="0" smtClean="0"/>
+                        <a:t>0</a:t>
+                      </a:r>
+                      <a:endParaRPr kumimoji="1" lang="ja-JP" altLang="en-US" dirty="0"/>
+                    </a:p>
+                  </a:txBody>
+                  <a:tcPr/>
+                </a:tc>
+                <a:extLst>
+                  <a:ext uri="{0D108BD9-81ED-4DB2-BD59-A6C34878D82A}">
+                    <a16:rowId xmlns:a16="http://schemas.microsoft.com/office/drawing/2014/main" val="1092351159"/>
+                  </a:ext>
+                </a:extLst>
+              </a:tr>
+              <a:tr h="360423">
+                <a:tc>
+                  <a:txBody>
+                    <a:bodyPr/>
+                    <a:lstStyle/>
+                    <a:p>
+                      <a:r>
+                        <a:rPr kumimoji="1" lang="en-US" altLang="ja-JP" dirty="0" smtClean="0"/>
+                        <a:t>0</a:t>
+                      </a:r>
+                      <a:endParaRPr kumimoji="1" lang="ja-JP" altLang="en-US" dirty="0"/>
+                    </a:p>
+                  </a:txBody>
+                  <a:tcPr/>
+                </a:tc>
+                <a:tc>
+                  <a:txBody>
+                    <a:bodyPr/>
+                    <a:lstStyle/>
+                    <a:p>
+                      <a:r>
+                        <a:rPr kumimoji="1" lang="en-US" altLang="ja-JP" dirty="0" smtClean="0"/>
+                        <a:t>0</a:t>
+                      </a:r>
+                      <a:endParaRPr kumimoji="1" lang="ja-JP" altLang="en-US" dirty="0"/>
+                    </a:p>
+                  </a:txBody>
+                  <a:tcPr/>
+                </a:tc>
+                <a:tc>
+                  <a:txBody>
+                    <a:bodyPr/>
+                    <a:lstStyle/>
+                    <a:p>
+                      <a:r>
+                        <a:rPr kumimoji="1" lang="en-US" altLang="ja-JP" dirty="0" smtClean="0"/>
+                        <a:t>0</a:t>
+                      </a:r>
+                      <a:endParaRPr kumimoji="1" lang="ja-JP" altLang="en-US" dirty="0"/>
+                    </a:p>
+                  </a:txBody>
+                  <a:tcPr/>
+                </a:tc>
+                <a:tc>
+                  <a:txBody>
+                    <a:bodyPr/>
+                    <a:lstStyle/>
+                    <a:p>
+                      <a:r>
+                        <a:rPr kumimoji="1" lang="en-US" altLang="ja-JP" dirty="0" smtClean="0"/>
+                        <a:t>1</a:t>
+                      </a:r>
+                      <a:endParaRPr kumimoji="1" lang="ja-JP" altLang="en-US" dirty="0"/>
+                    </a:p>
+                  </a:txBody>
+                  <a:tcPr/>
+                </a:tc>
+                <a:tc>
+                  <a:txBody>
+                    <a:bodyPr/>
+                    <a:lstStyle/>
+                    <a:p>
+                      <a:r>
+                        <a:rPr kumimoji="1" lang="en-US" altLang="ja-JP" dirty="0" smtClean="0"/>
+                        <a:t>0</a:t>
+                      </a:r>
+                      <a:endParaRPr kumimoji="1" lang="ja-JP" altLang="en-US" dirty="0"/>
+                    </a:p>
+                  </a:txBody>
+                  <a:tcPr/>
+                </a:tc>
+                <a:extLst>
+                  <a:ext uri="{0D108BD9-81ED-4DB2-BD59-A6C34878D82A}">
+                    <a16:rowId xmlns:a16="http://schemas.microsoft.com/office/drawing/2014/main" val="3777475654"/>
+                  </a:ext>
+                </a:extLst>
+              </a:tr>
+              <a:tr h="360423">
+                <a:tc>
+                  <a:txBody>
+                    <a:bodyPr/>
+                    <a:lstStyle/>
+                    <a:p>
+                      <a:r>
+                        <a:rPr kumimoji="1" lang="en-US" altLang="ja-JP" dirty="0" smtClean="0"/>
+                        <a:t>0</a:t>
+                      </a:r>
+                      <a:endParaRPr kumimoji="1" lang="ja-JP" altLang="en-US" dirty="0"/>
+                    </a:p>
+                  </a:txBody>
+                  <a:tcPr/>
+                </a:tc>
+                <a:tc>
+                  <a:txBody>
+                    <a:bodyPr/>
+                    <a:lstStyle/>
+                    <a:p>
+                      <a:r>
+                        <a:rPr kumimoji="1" lang="en-US" altLang="ja-JP" dirty="0" smtClean="0"/>
+                        <a:t>1</a:t>
+                      </a:r>
+                      <a:endParaRPr kumimoji="1" lang="ja-JP" altLang="en-US" dirty="0"/>
+                    </a:p>
+                  </a:txBody>
+                  <a:tcPr/>
+                </a:tc>
+                <a:tc>
+                  <a:txBody>
+                    <a:bodyPr/>
+                    <a:lstStyle/>
+                    <a:p>
+                      <a:r>
+                        <a:rPr kumimoji="1" lang="en-US" altLang="ja-JP" dirty="0" smtClean="0"/>
+                        <a:t>1</a:t>
+                      </a:r>
+                      <a:endParaRPr kumimoji="1" lang="ja-JP" altLang="en-US" dirty="0"/>
+                    </a:p>
+                  </a:txBody>
+                  <a:tcPr/>
+                </a:tc>
+                <a:tc>
+                  <a:txBody>
+                    <a:bodyPr/>
+                    <a:lstStyle/>
+                    <a:p>
+                      <a:r>
+                        <a:rPr kumimoji="1" lang="en-US" altLang="ja-JP" dirty="0" smtClean="0"/>
+                        <a:t>1</a:t>
+                      </a:r>
+                      <a:endParaRPr kumimoji="1" lang="ja-JP" altLang="en-US" dirty="0"/>
+                    </a:p>
+                  </a:txBody>
+                  <a:tcPr/>
+                </a:tc>
+                <a:tc>
+                  <a:txBody>
+                    <a:bodyPr/>
+                    <a:lstStyle/>
+                    <a:p>
+                      <a:r>
+                        <a:rPr kumimoji="1" lang="en-US" altLang="ja-JP" dirty="0" smtClean="0"/>
+                        <a:t>0</a:t>
+                      </a:r>
+                      <a:endParaRPr kumimoji="1" lang="ja-JP" altLang="en-US" dirty="0"/>
+                    </a:p>
+                  </a:txBody>
+                  <a:tcPr/>
+                </a:tc>
+                <a:extLst>
+                  <a:ext uri="{0D108BD9-81ED-4DB2-BD59-A6C34878D82A}">
+                    <a16:rowId xmlns:a16="http://schemas.microsoft.com/office/drawing/2014/main" val="3480479756"/>
+                  </a:ext>
+                </a:extLst>
+              </a:tr>
+              <a:tr h="360423">
+                <a:tc>
+                  <a:txBody>
+                    <a:bodyPr/>
+                    <a:lstStyle/>
+                    <a:p>
+                      <a:r>
+                        <a:rPr kumimoji="1" lang="en-US" altLang="ja-JP" dirty="0" smtClean="0"/>
+                        <a:t>0</a:t>
+                      </a:r>
+                      <a:endParaRPr kumimoji="1" lang="ja-JP" altLang="en-US" dirty="0"/>
+                    </a:p>
+                  </a:txBody>
+                  <a:tcPr/>
+                </a:tc>
+                <a:tc>
+                  <a:txBody>
+                    <a:bodyPr/>
+                    <a:lstStyle/>
+                    <a:p>
+                      <a:r>
+                        <a:rPr kumimoji="1" lang="en-US" altLang="ja-JP" dirty="0" smtClean="0"/>
+                        <a:t>0</a:t>
+                      </a:r>
+                      <a:endParaRPr kumimoji="1" lang="ja-JP" altLang="en-US" dirty="0"/>
+                    </a:p>
+                  </a:txBody>
+                  <a:tcPr/>
+                </a:tc>
+                <a:tc>
+                  <a:txBody>
+                    <a:bodyPr/>
+                    <a:lstStyle/>
+                    <a:p>
+                      <a:r>
+                        <a:rPr kumimoji="1" lang="en-US" altLang="ja-JP" dirty="0" smtClean="0"/>
+                        <a:t>0</a:t>
+                      </a:r>
+                      <a:endParaRPr kumimoji="1" lang="ja-JP" altLang="en-US" dirty="0"/>
+                    </a:p>
+                  </a:txBody>
+                  <a:tcPr/>
+                </a:tc>
+                <a:tc>
+                  <a:txBody>
+                    <a:bodyPr/>
+                    <a:lstStyle/>
+                    <a:p>
+                      <a:r>
+                        <a:rPr kumimoji="1" lang="en-US" altLang="ja-JP" dirty="0" smtClean="0"/>
+                        <a:t>1</a:t>
+                      </a:r>
+                      <a:endParaRPr kumimoji="1" lang="ja-JP" altLang="en-US" dirty="0"/>
+                    </a:p>
+                  </a:txBody>
+                  <a:tcPr/>
+                </a:tc>
+                <a:tc>
+                  <a:txBody>
+                    <a:bodyPr/>
+                    <a:lstStyle/>
+                    <a:p>
+                      <a:r>
+                        <a:rPr kumimoji="1" lang="en-US" altLang="ja-JP" dirty="0" smtClean="0"/>
+                        <a:t>0</a:t>
+                      </a:r>
+                      <a:endParaRPr kumimoji="1" lang="ja-JP" altLang="en-US" dirty="0"/>
+                    </a:p>
+                  </a:txBody>
+                  <a:tcPr/>
+                </a:tc>
+                <a:extLst>
+                  <a:ext uri="{0D108BD9-81ED-4DB2-BD59-A6C34878D82A}">
+                    <a16:rowId xmlns:a16="http://schemas.microsoft.com/office/drawing/2014/main" val="3989160372"/>
+                  </a:ext>
+                </a:extLst>
+              </a:tr>
+              <a:tr h="360423">
+                <a:tc>
+                  <a:txBody>
+                    <a:bodyPr/>
+                    <a:lstStyle/>
+                    <a:p>
+                      <a:r>
+                        <a:rPr kumimoji="1" lang="en-US" altLang="ja-JP" dirty="0" smtClean="0"/>
+                        <a:t>0</a:t>
+                      </a:r>
+                      <a:endParaRPr kumimoji="1" lang="ja-JP" altLang="en-US" dirty="0"/>
+                    </a:p>
+                  </a:txBody>
+                  <a:tcPr/>
+                </a:tc>
+                <a:tc>
+                  <a:txBody>
+                    <a:bodyPr/>
+                    <a:lstStyle/>
+                    <a:p>
+                      <a:r>
+                        <a:rPr kumimoji="1" lang="en-US" altLang="ja-JP" dirty="0" smtClean="0"/>
+                        <a:t>1</a:t>
+                      </a:r>
+                      <a:endParaRPr kumimoji="1" lang="ja-JP" altLang="en-US" dirty="0"/>
+                    </a:p>
+                  </a:txBody>
+                  <a:tcPr/>
+                </a:tc>
+                <a:tc>
+                  <a:txBody>
+                    <a:bodyPr/>
+                    <a:lstStyle/>
+                    <a:p>
+                      <a:r>
+                        <a:rPr kumimoji="1" lang="en-US" altLang="ja-JP" dirty="0" smtClean="0"/>
+                        <a:t>1</a:t>
+                      </a:r>
+                      <a:endParaRPr kumimoji="1" lang="ja-JP" altLang="en-US" dirty="0"/>
+                    </a:p>
+                  </a:txBody>
+                  <a:tcPr/>
+                </a:tc>
+                <a:tc>
+                  <a:txBody>
+                    <a:bodyPr/>
+                    <a:lstStyle/>
+                    <a:p>
+                      <a:r>
+                        <a:rPr kumimoji="1" lang="en-US" altLang="ja-JP" dirty="0" smtClean="0"/>
+                        <a:t>1</a:t>
+                      </a:r>
+                      <a:endParaRPr kumimoji="1" lang="ja-JP" altLang="en-US" dirty="0"/>
+                    </a:p>
+                  </a:txBody>
+                  <a:tcPr/>
+                </a:tc>
+                <a:tc>
+                  <a:txBody>
+                    <a:bodyPr/>
+                    <a:lstStyle/>
+                    <a:p>
+                      <a:r>
+                        <a:rPr kumimoji="1" lang="en-US" altLang="ja-JP" dirty="0" smtClean="0"/>
+                        <a:t>0</a:t>
+                      </a:r>
+                      <a:endParaRPr kumimoji="1" lang="ja-JP" altLang="en-US" dirty="0"/>
+                    </a:p>
+                  </a:txBody>
+                  <a:tcPr/>
+                </a:tc>
+                <a:extLst>
+                  <a:ext uri="{0D108BD9-81ED-4DB2-BD59-A6C34878D82A}">
+                    <a16:rowId xmlns:a16="http://schemas.microsoft.com/office/drawing/2014/main" val="2760597546"/>
+                  </a:ext>
+                </a:extLst>
+              </a:tr>
+            </a:tbl>
+          </a:graphicData>
+        </a:graphic>
+      </p:graphicFrame>
     </p:spTree>
     <p:extLst>
       <p:ext uri="{BB962C8B-B14F-4D97-AF65-F5344CB8AC3E}">
@@ -10787,7 +11569,7 @@
         <p:spPr/>
         <p:txBody>
           <a:bodyPr>
-            <a:normAutofit fontScale="92500" lnSpcReduction="10000"/>
+            <a:normAutofit lnSpcReduction="10000"/>
           </a:bodyPr>
           <a:lstStyle/>
           <a:p>
@@ -10826,15 +11608,7 @@
             </a:pPr>
             <a:r>
               <a:rPr lang="en-US" altLang="ja-JP" dirty="0" smtClean="0"/>
-              <a:t>CNN(</a:t>
-            </a:r>
-            <a:r>
-              <a:rPr lang="en-US" altLang="ja-JP" dirty="0"/>
-              <a:t>Convolutional Neural Network</a:t>
-            </a:r>
-            <a:r>
-              <a:rPr lang="en-US" altLang="ja-JP" dirty="0" smtClean="0"/>
-              <a:t>)</a:t>
+              <a:t>CNN</a:t>
             </a:r>
             <a:r>
               <a:rPr lang="ja-JP" altLang="en-US" dirty="0" smtClean="0"/>
@@ -10842,11 +11616,11 @@
             </a:r>
             <a:r>
               <a:rPr lang="ja-JP" altLang="en-US" dirty="0"/>
-              <a:t>ベクトルの抽出</a:t>
+              <a:t>ベクトルの</a:t>
             </a:r>
             <a:r>
               <a:rPr lang="ja-JP" altLang="en-US" dirty="0" smtClean="0"/>
-              <a:t>方法を行う．</a:t>
+              <a:t>抽出を行う．</a:t>
             </a:r>
             <a:endParaRPr lang="en-US" altLang="ja-JP" dirty="0"/>
           </a:p>
@@ -11200,7 +11974,7 @@
           <a:graphicData uri="http://schemas.openxmlformats.org/presentationml/2006/ole">
             <mc:AlternateContent xmlns:mc="http://schemas.openxmlformats.org/markup-compatibility/2006">
               <mc:Choice xmlns:v="urn:schemas-microsoft-com:vml" Requires="v">
-                <p:oleObj spid="_x0000_s1040" name="ワークシート" r:id="rId4" imgW="1733609" imgH="463785" progId="Excel.Sheet.12">
+                <p:oleObj spid="_x0000_s1068" name="ワークシート" r:id="rId4" imgW="1733609" imgH="463785" progId="Excel.Sheet.12">
                   <p:embed/>
                 </p:oleObj>
               </mc:Choice>
@@ -11251,7 +12025,7 @@
           <a:graphicData uri="http://schemas.openxmlformats.org/presentationml/2006/ole">
             <mc:AlternateContent xmlns:mc="http://schemas.openxmlformats.org/markup-compatibility/2006">
               <mc:Choice xmlns:v="urn:schemas-microsoft-com:vml" Requires="v">
-                <p:oleObj spid="_x0000_s1041" name="ワークシート" r:id="rId6" imgW="2965470" imgH="1835385" progId="Excel.Sheet.12">
+                <p:oleObj spid="_x0000_s1069" name="ワークシート" r:id="rId6" imgW="2965470" imgH="1835385" progId="Excel.Sheet.12">
                   <p:embed/>
                 </p:oleObj>
               </mc:Choice>
